--- a/MSBI.E03-SQL/MSBI.Dev.S21E03.pptx
+++ b/MSBI.E03-SQL/MSBI.Dev.S21E03.pptx
@@ -7,38 +7,37 @@
     <p:sldMasterId id="2147483774" r:id="rId6"/>
   </p:sldMasterIdLst>
   <p:notesMasterIdLst>
-    <p:notesMasterId r:id="rId33"/>
+    <p:notesMasterId r:id="rId32"/>
   </p:notesMasterIdLst>
   <p:handoutMasterIdLst>
-    <p:handoutMasterId r:id="rId34"/>
+    <p:handoutMasterId r:id="rId33"/>
   </p:handoutMasterIdLst>
   <p:sldIdLst>
     <p:sldId id="276" r:id="rId7"/>
     <p:sldId id="553" r:id="rId8"/>
     <p:sldId id="554" r:id="rId9"/>
-    <p:sldId id="555" r:id="rId10"/>
-    <p:sldId id="516" r:id="rId11"/>
-    <p:sldId id="556" r:id="rId12"/>
-    <p:sldId id="548" r:id="rId13"/>
-    <p:sldId id="557" r:id="rId14"/>
-    <p:sldId id="523" r:id="rId15"/>
+    <p:sldId id="556" r:id="rId10"/>
+    <p:sldId id="548" r:id="rId11"/>
+    <p:sldId id="566" r:id="rId12"/>
+    <p:sldId id="557" r:id="rId13"/>
+    <p:sldId id="523" r:id="rId14"/>
+    <p:sldId id="526" r:id="rId15"/>
     <p:sldId id="525" r:id="rId16"/>
     <p:sldId id="558" r:id="rId17"/>
     <p:sldId id="549" r:id="rId18"/>
-    <p:sldId id="526" r:id="rId19"/>
-    <p:sldId id="528" r:id="rId20"/>
-    <p:sldId id="559" r:id="rId21"/>
-    <p:sldId id="560" r:id="rId22"/>
-    <p:sldId id="529" r:id="rId23"/>
-    <p:sldId id="530" r:id="rId24"/>
-    <p:sldId id="531" r:id="rId25"/>
-    <p:sldId id="532" r:id="rId26"/>
-    <p:sldId id="533" r:id="rId27"/>
-    <p:sldId id="561" r:id="rId28"/>
-    <p:sldId id="562" r:id="rId29"/>
-    <p:sldId id="563" r:id="rId30"/>
-    <p:sldId id="564" r:id="rId31"/>
-    <p:sldId id="565" r:id="rId32"/>
+    <p:sldId id="528" r:id="rId19"/>
+    <p:sldId id="559" r:id="rId20"/>
+    <p:sldId id="560" r:id="rId21"/>
+    <p:sldId id="529" r:id="rId22"/>
+    <p:sldId id="530" r:id="rId23"/>
+    <p:sldId id="531" r:id="rId24"/>
+    <p:sldId id="532" r:id="rId25"/>
+    <p:sldId id="533" r:id="rId26"/>
+    <p:sldId id="561" r:id="rId27"/>
+    <p:sldId id="562" r:id="rId28"/>
+    <p:sldId id="563" r:id="rId29"/>
+    <p:sldId id="564" r:id="rId30"/>
+    <p:sldId id="565" r:id="rId31"/>
   </p:sldIdLst>
   <p:sldSz cx="9144000" cy="5143500" type="screen16x9"/>
   <p:notesSz cx="6858000" cy="9144000"/>
@@ -754,7 +753,7 @@
           <a:p>
             <a:fld id="{7F5E9BF7-95E4-A242-BA1D-05FDCF603BE6}" type="datetime1">
               <a:rPr lang="en-US" smtClean="0"/>
-              <a:t>12/10/2020</a:t>
+              <a:t>12/19/2020</a:t>
             </a:fld>
             <a:endParaRPr lang="en-US"/>
           </a:p>
@@ -920,7 +919,7 @@
           <a:p>
             <a:fld id="{165DBCB1-0306-AD41-9452-11E7C08D5C04}" type="datetime1">
               <a:rPr lang="en-US" smtClean="0"/>
-              <a:t>12/10/2020</a:t>
+              <a:t>12/19/2020</a:t>
             </a:fld>
             <a:endParaRPr lang="en-US"/>
           </a:p>
@@ -1419,7 +1418,7 @@
           <a:p>
             <a:fld id="{7AE90029-A909-AD4E-9775-A0D64990AD22}" type="slidenum">
               <a:rPr lang="en-US" smtClean="0"/>
-              <a:t>14</a:t>
+              <a:t>16</a:t>
             </a:fld>
             <a:endParaRPr lang="en-US"/>
           </a:p>
@@ -1428,7 +1427,7 @@
     </p:spTree>
     <p:extLst>
       <p:ext uri="{BB962C8B-B14F-4D97-AF65-F5344CB8AC3E}">
-        <p14:creationId xmlns:p14="http://schemas.microsoft.com/office/powerpoint/2010/main" val="3546846490"/>
+        <p14:creationId xmlns:p14="http://schemas.microsoft.com/office/powerpoint/2010/main" val="116406159"/>
       </p:ext>
     </p:extLst>
   </p:cSld>
@@ -1534,7 +1533,7 @@
     </p:spTree>
     <p:extLst>
       <p:ext uri="{BB962C8B-B14F-4D97-AF65-F5344CB8AC3E}">
-        <p14:creationId xmlns:p14="http://schemas.microsoft.com/office/powerpoint/2010/main" val="116406159"/>
+        <p14:creationId xmlns:p14="http://schemas.microsoft.com/office/powerpoint/2010/main" val="1042750145"/>
       </p:ext>
     </p:extLst>
   </p:cSld>
@@ -1640,7 +1639,7 @@
     </p:spTree>
     <p:extLst>
       <p:ext uri="{BB962C8B-B14F-4D97-AF65-F5344CB8AC3E}">
-        <p14:creationId xmlns:p14="http://schemas.microsoft.com/office/powerpoint/2010/main" val="1042750145"/>
+        <p14:creationId xmlns:p14="http://schemas.microsoft.com/office/powerpoint/2010/main" val="4044962052"/>
       </p:ext>
     </p:extLst>
   </p:cSld>
@@ -1746,7 +1745,7 @@
     </p:spTree>
     <p:extLst>
       <p:ext uri="{BB962C8B-B14F-4D97-AF65-F5344CB8AC3E}">
-        <p14:creationId xmlns:p14="http://schemas.microsoft.com/office/powerpoint/2010/main" val="4044962052"/>
+        <p14:creationId xmlns:p14="http://schemas.microsoft.com/office/powerpoint/2010/main" val="3351843746"/>
       </p:ext>
     </p:extLst>
   </p:cSld>
@@ -1844,112 +1843,6 @@
             <a:fld id="{7AE90029-A909-AD4E-9775-A0D64990AD22}" type="slidenum">
               <a:rPr lang="en-US" smtClean="0"/>
               <a:t>20</a:t>
-            </a:fld>
-            <a:endParaRPr lang="en-US"/>
-          </a:p>
-        </p:txBody>
-      </p:sp>
-    </p:spTree>
-    <p:extLst>
-      <p:ext uri="{BB962C8B-B14F-4D97-AF65-F5344CB8AC3E}">
-        <p14:creationId xmlns:p14="http://schemas.microsoft.com/office/powerpoint/2010/main" val="3351843746"/>
-      </p:ext>
-    </p:extLst>
-  </p:cSld>
-  <p:clrMapOvr>
-    <a:masterClrMapping/>
-  </p:clrMapOvr>
-</p:notes>
-</file>
-
-<file path=ppt/notesSlides/notesSlide15.xml><?xml version="1.0" encoding="utf-8"?>
-<p:notes xmlns:a="http://schemas.openxmlformats.org/drawingml/2006/main" xmlns:r="http://schemas.openxmlformats.org/officeDocument/2006/relationships" xmlns:p="http://schemas.openxmlformats.org/presentationml/2006/main">
-  <p:cSld>
-    <p:spTree>
-      <p:nvGrpSpPr>
-        <p:cNvPr id="1" name=""/>
-        <p:cNvGrpSpPr/>
-        <p:nvPr/>
-      </p:nvGrpSpPr>
-      <p:grpSpPr>
-        <a:xfrm>
-          <a:off x="0" y="0"/>
-          <a:ext cx="0" cy="0"/>
-          <a:chOff x="0" y="0"/>
-          <a:chExt cx="0" cy="0"/>
-        </a:xfrm>
-      </p:grpSpPr>
-      <p:sp>
-        <p:nvSpPr>
-          <p:cNvPr id="2" name="Slide Image Placeholder 1"/>
-          <p:cNvSpPr>
-            <a:spLocks noGrp="1" noRot="1" noChangeAspect="1"/>
-          </p:cNvSpPr>
-          <p:nvPr>
-            <p:ph type="sldImg"/>
-          </p:nvPr>
-        </p:nvSpPr>
-        <p:spPr>
-          <a:xfrm>
-            <a:off x="381000" y="685800"/>
-            <a:ext cx="6096000" cy="3429000"/>
-          </a:xfrm>
-        </p:spPr>
-      </p:sp>
-      <p:sp>
-        <p:nvSpPr>
-          <p:cNvPr id="3" name="Notes Placeholder 2"/>
-          <p:cNvSpPr>
-            <a:spLocks noGrp="1"/>
-          </p:cNvSpPr>
-          <p:nvPr>
-            <p:ph type="body" idx="1"/>
-          </p:nvPr>
-        </p:nvSpPr>
-        <p:spPr/>
-        <p:txBody>
-          <a:bodyPr/>
-          <a:lstStyle/>
-          <a:p>
-            <a:pPr marL="0" marR="0" indent="0" algn="l" defTabSz="914400" rtl="0" eaLnBrk="1" fontAlgn="auto" latinLnBrk="0" hangingPunct="1">
-              <a:lnSpc>
-                <a:spcPct val="100000"/>
-              </a:lnSpc>
-              <a:spcBef>
-                <a:spcPts val="0"/>
-              </a:spcBef>
-              <a:spcAft>
-                <a:spcPts val="0"/>
-              </a:spcAft>
-              <a:buClrTx/>
-              <a:buSzTx/>
-              <a:buFontTx/>
-              <a:buNone/>
-              <a:tabLst/>
-              <a:defRPr/>
-            </a:pPr>
-            <a:endParaRPr lang="en-US"/>
-          </a:p>
-        </p:txBody>
-      </p:sp>
-      <p:sp>
-        <p:nvSpPr>
-          <p:cNvPr id="4" name="Slide Number Placeholder 3"/>
-          <p:cNvSpPr>
-            <a:spLocks noGrp="1"/>
-          </p:cNvSpPr>
-          <p:nvPr>
-            <p:ph type="sldNum" sz="quarter" idx="10"/>
-          </p:nvPr>
-        </p:nvSpPr>
-        <p:spPr/>
-        <p:txBody>
-          <a:bodyPr/>
-          <a:lstStyle/>
-          <a:p>
-            <a:fld id="{7AE90029-A909-AD4E-9775-A0D64990AD22}" type="slidenum">
-              <a:rPr lang="en-US" smtClean="0"/>
-              <a:t>21</a:t>
             </a:fld>
             <a:endParaRPr lang="en-US"/>
           </a:p>
@@ -2276,7 +2169,7 @@
     </p:spTree>
     <p:extLst>
       <p:ext uri="{BB962C8B-B14F-4D97-AF65-F5344CB8AC3E}">
-        <p14:creationId xmlns:p14="http://schemas.microsoft.com/office/powerpoint/2010/main" val="1196918068"/>
+        <p14:creationId xmlns:p14="http://schemas.microsoft.com/office/powerpoint/2010/main" val="3791356413"/>
       </p:ext>
     </p:extLst>
   </p:cSld>
@@ -2373,7 +2266,7 @@
           <a:p>
             <a:fld id="{7AE90029-A909-AD4E-9775-A0D64990AD22}" type="slidenum">
               <a:rPr lang="en-US" smtClean="0"/>
-              <a:t>7</a:t>
+              <a:t>8</a:t>
             </a:fld>
             <a:endParaRPr lang="en-US"/>
           </a:p>
@@ -2382,7 +2275,7 @@
     </p:spTree>
     <p:extLst>
       <p:ext uri="{BB962C8B-B14F-4D97-AF65-F5344CB8AC3E}">
-        <p14:creationId xmlns:p14="http://schemas.microsoft.com/office/powerpoint/2010/main" val="3791356413"/>
+        <p14:creationId xmlns:p14="http://schemas.microsoft.com/office/powerpoint/2010/main" val="145424937"/>
       </p:ext>
     </p:extLst>
   </p:cSld>
@@ -2488,7 +2381,7 @@
     </p:spTree>
     <p:extLst>
       <p:ext uri="{BB962C8B-B14F-4D97-AF65-F5344CB8AC3E}">
-        <p14:creationId xmlns:p14="http://schemas.microsoft.com/office/powerpoint/2010/main" val="145424937"/>
+        <p14:creationId xmlns:p14="http://schemas.microsoft.com/office/powerpoint/2010/main" val="2905102692"/>
       </p:ext>
     </p:extLst>
   </p:cSld>
@@ -2806,7 +2699,7 @@
     </p:spTree>
     <p:extLst>
       <p:ext uri="{BB962C8B-B14F-4D97-AF65-F5344CB8AC3E}">
-        <p14:creationId xmlns:p14="http://schemas.microsoft.com/office/powerpoint/2010/main" val="2905102692"/>
+        <p14:creationId xmlns:p14="http://schemas.microsoft.com/office/powerpoint/2010/main" val="3546846490"/>
       </p:ext>
     </p:extLst>
   </p:cSld>
@@ -12271,7 +12164,7 @@
           </a:ln>
           <a:extLst>
             <a:ext uri="{C572A759-6A51-4108-AA02-DFA0A04FC94B}">
-              <ma14:wrappingTextBoxFlag xmlns="" xmlns:ma14="http://schemas.microsoft.com/office/mac/drawingml/2011/main" val="1"/>
+              <ma14:wrappingTextBoxFlag xmlns:ma14="http://schemas.microsoft.com/office/mac/drawingml/2011/main" xmlns="" val="1"/>
             </a:ext>
           </a:extLst>
         </p:spPr>
@@ -25684,7 +25577,7 @@
         <p:spPr>
           <a:xfrm>
             <a:off x="5100490" y="1368090"/>
-            <a:ext cx="1440972" cy="544765"/>
+            <a:ext cx="2131866" cy="544765"/>
           </a:xfrm>
           <a:prstGeom prst="rect">
             <a:avLst/>
@@ -25712,14 +25605,20 @@
               <a:defRPr/>
             </a:pPr>
             <a:r>
-              <a:rPr lang="en-US" sz="2900" dirty="0">
+              <a:rPr lang="en-US" sz="2900" dirty="0" err="1">
                 <a:solidFill>
                   <a:srgbClr val="1A9CB0"/>
                 </a:solidFill>
                 <a:latin typeface="Segoe"/>
               </a:rPr>
-              <a:t>SARG</a:t>
-            </a:r>
+              <a:t>SARGable</a:t>
+            </a:r>
+            <a:endParaRPr lang="en-US" sz="2900" dirty="0">
+              <a:solidFill>
+                <a:srgbClr val="1A9CB0"/>
+              </a:solidFill>
+              <a:latin typeface="Segoe"/>
+            </a:endParaRPr>
           </a:p>
         </p:txBody>
       </p:sp>
@@ -25738,7 +25637,7 @@
         <p:spPr>
           <a:xfrm>
             <a:off x="492771" y="1368090"/>
-            <a:ext cx="2296975" cy="544765"/>
+            <a:ext cx="2987869" cy="544765"/>
           </a:xfrm>
           <a:prstGeom prst="rect">
             <a:avLst/>
@@ -25772,8 +25671,23 @@
                 </a:solidFill>
                 <a:latin typeface="Segoe"/>
               </a:rPr>
-              <a:t>Non-SARG</a:t>
-            </a:r>
+              <a:t>Non-</a:t>
+            </a:r>
+            <a:r>
+              <a:rPr lang="en-US" sz="2900" dirty="0" err="1">
+                <a:solidFill>
+                  <a:srgbClr val="FF0000"/>
+                </a:solidFill>
+                <a:latin typeface="Segoe"/>
+              </a:rPr>
+              <a:t>SARGable</a:t>
+            </a:r>
+            <a:endParaRPr lang="en-US" sz="2900" dirty="0">
+              <a:solidFill>
+                <a:srgbClr val="FF0000"/>
+              </a:solidFill>
+              <a:latin typeface="Segoe"/>
+            </a:endParaRPr>
           </a:p>
         </p:txBody>
       </p:sp>
@@ -25951,865 +25865,6 @@
         </p:nvSpPr>
         <p:spPr>
           <a:xfrm>
-            <a:off x="357188" y="1626928"/>
-            <a:ext cx="2950818" cy="3287972"/>
-          </a:xfrm>
-          <a:prstGeom prst="rect">
-            <a:avLst/>
-          </a:prstGeom>
-        </p:spPr>
-        <p:txBody>
-          <a:bodyPr/>
-          <a:lstStyle>
-            <a:lvl1pPr marL="257175" indent="-257175" algn="l" defTabSz="342900" rtl="0" eaLnBrk="1" latinLnBrk="0" hangingPunct="1">
-              <a:spcBef>
-                <a:spcPct val="20000"/>
-              </a:spcBef>
-              <a:buFont typeface="Arial"/>
-              <a:buChar char="•"/>
-              <a:defRPr sz="2400" kern="1200">
-                <a:solidFill>
-                  <a:schemeClr val="tx1"/>
-                </a:solidFill>
-                <a:latin typeface="+mn-lt"/>
-                <a:ea typeface="+mn-ea"/>
-                <a:cs typeface="+mn-cs"/>
-              </a:defRPr>
-            </a:lvl1pPr>
-            <a:lvl2pPr marL="557213" indent="-214313" algn="l" defTabSz="342900" rtl="0" eaLnBrk="1" latinLnBrk="0" hangingPunct="1">
-              <a:spcBef>
-                <a:spcPct val="20000"/>
-              </a:spcBef>
-              <a:buFont typeface="Arial"/>
-              <a:buChar char="–"/>
-              <a:defRPr sz="2100" kern="1200">
-                <a:solidFill>
-                  <a:schemeClr val="tx1"/>
-                </a:solidFill>
-                <a:latin typeface="+mn-lt"/>
-                <a:ea typeface="+mn-ea"/>
-                <a:cs typeface="+mn-cs"/>
-              </a:defRPr>
-            </a:lvl2pPr>
-            <a:lvl3pPr marL="857250" indent="-171450" algn="l" defTabSz="342900" rtl="0" eaLnBrk="1" latinLnBrk="0" hangingPunct="1">
-              <a:spcBef>
-                <a:spcPct val="20000"/>
-              </a:spcBef>
-              <a:buFont typeface="Arial"/>
-              <a:buChar char="•"/>
-              <a:defRPr sz="1800" kern="1200">
-                <a:solidFill>
-                  <a:schemeClr val="tx1"/>
-                </a:solidFill>
-                <a:latin typeface="+mn-lt"/>
-                <a:ea typeface="+mn-ea"/>
-                <a:cs typeface="+mn-cs"/>
-              </a:defRPr>
-            </a:lvl3pPr>
-            <a:lvl4pPr marL="1200150" indent="-171450" algn="l" defTabSz="342900" rtl="0" eaLnBrk="1" latinLnBrk="0" hangingPunct="1">
-              <a:spcBef>
-                <a:spcPct val="20000"/>
-              </a:spcBef>
-              <a:buFont typeface="Arial"/>
-              <a:buChar char="–"/>
-              <a:defRPr sz="1500" kern="1200">
-                <a:solidFill>
-                  <a:schemeClr val="tx1"/>
-                </a:solidFill>
-                <a:latin typeface="+mn-lt"/>
-                <a:ea typeface="+mn-ea"/>
-                <a:cs typeface="+mn-cs"/>
-              </a:defRPr>
-            </a:lvl4pPr>
-            <a:lvl5pPr marL="1543050" indent="-171450" algn="l" defTabSz="342900" rtl="0" eaLnBrk="1" latinLnBrk="0" hangingPunct="1">
-              <a:spcBef>
-                <a:spcPct val="20000"/>
-              </a:spcBef>
-              <a:buFont typeface="Arial"/>
-              <a:buChar char="»"/>
-              <a:defRPr sz="1500" kern="1200">
-                <a:solidFill>
-                  <a:schemeClr val="tx1"/>
-                </a:solidFill>
-                <a:latin typeface="+mn-lt"/>
-                <a:ea typeface="+mn-ea"/>
-                <a:cs typeface="+mn-cs"/>
-              </a:defRPr>
-            </a:lvl5pPr>
-            <a:lvl6pPr marL="1885950" indent="-171450" algn="l" defTabSz="342900" rtl="0" eaLnBrk="1" latinLnBrk="0" hangingPunct="1">
-              <a:spcBef>
-                <a:spcPct val="20000"/>
-              </a:spcBef>
-              <a:buFont typeface="Arial"/>
-              <a:buChar char="•"/>
-              <a:defRPr sz="1500" kern="1200">
-                <a:solidFill>
-                  <a:schemeClr val="tx1"/>
-                </a:solidFill>
-                <a:latin typeface="+mn-lt"/>
-                <a:ea typeface="+mn-ea"/>
-                <a:cs typeface="+mn-cs"/>
-              </a:defRPr>
-            </a:lvl6pPr>
-            <a:lvl7pPr marL="2228850" indent="-171450" algn="l" defTabSz="342900" rtl="0" eaLnBrk="1" latinLnBrk="0" hangingPunct="1">
-              <a:spcBef>
-                <a:spcPct val="20000"/>
-              </a:spcBef>
-              <a:buFont typeface="Arial"/>
-              <a:buChar char="•"/>
-              <a:defRPr sz="1500" kern="1200">
-                <a:solidFill>
-                  <a:schemeClr val="tx1"/>
-                </a:solidFill>
-                <a:latin typeface="+mn-lt"/>
-                <a:ea typeface="+mn-ea"/>
-                <a:cs typeface="+mn-cs"/>
-              </a:defRPr>
-            </a:lvl7pPr>
-            <a:lvl8pPr marL="2571750" indent="-171450" algn="l" defTabSz="342900" rtl="0" eaLnBrk="1" latinLnBrk="0" hangingPunct="1">
-              <a:spcBef>
-                <a:spcPct val="20000"/>
-              </a:spcBef>
-              <a:buFont typeface="Arial"/>
-              <a:buChar char="•"/>
-              <a:defRPr sz="1500" kern="1200">
-                <a:solidFill>
-                  <a:schemeClr val="tx1"/>
-                </a:solidFill>
-                <a:latin typeface="+mn-lt"/>
-                <a:ea typeface="+mn-ea"/>
-                <a:cs typeface="+mn-cs"/>
-              </a:defRPr>
-            </a:lvl8pPr>
-            <a:lvl9pPr marL="2914650" indent="-171450" algn="l" defTabSz="342900" rtl="0" eaLnBrk="1" latinLnBrk="0" hangingPunct="1">
-              <a:spcBef>
-                <a:spcPct val="20000"/>
-              </a:spcBef>
-              <a:buFont typeface="Arial"/>
-              <a:buChar char="•"/>
-              <a:defRPr sz="1500" kern="1200">
-                <a:solidFill>
-                  <a:schemeClr val="tx1"/>
-                </a:solidFill>
-                <a:latin typeface="+mn-lt"/>
-                <a:ea typeface="+mn-ea"/>
-                <a:cs typeface="+mn-cs"/>
-              </a:defRPr>
-            </a:lvl9pPr>
-          </a:lstStyle>
-          <a:p>
-            <a:pPr marL="173736" lvl="2" indent="-173736">
-              <a:lnSpc>
-                <a:spcPct val="110000"/>
-              </a:lnSpc>
-              <a:spcBef>
-                <a:spcPts val="0"/>
-              </a:spcBef>
-              <a:spcAft>
-                <a:spcPts val="1300"/>
-              </a:spcAft>
-              <a:buClr>
-                <a:srgbClr val="2FC2D9"/>
-              </a:buClr>
-              <a:defRPr/>
-            </a:pPr>
-            <a:r>
-              <a:rPr lang="en-US" sz="1600" dirty="0"/>
-              <a:t>Use YYYYMDD format</a:t>
-            </a:r>
-          </a:p>
-          <a:p>
-            <a:pPr marL="0" lvl="2" indent="0">
-              <a:lnSpc>
-                <a:spcPct val="110000"/>
-              </a:lnSpc>
-              <a:spcBef>
-                <a:spcPts val="0"/>
-              </a:spcBef>
-              <a:spcAft>
-                <a:spcPts val="1300"/>
-              </a:spcAft>
-              <a:buClr>
-                <a:srgbClr val="2FC2D9"/>
-              </a:buClr>
-              <a:buNone/>
-              <a:defRPr/>
-            </a:pPr>
-            <a:r>
-              <a:rPr lang="en-US" sz="1600" dirty="0"/>
-              <a:t> </a:t>
-            </a:r>
-          </a:p>
-        </p:txBody>
-      </p:sp>
-      <p:sp>
-        <p:nvSpPr>
-          <p:cNvPr id="2" name="Rectangle 1"/>
-          <p:cNvSpPr/>
-          <p:nvPr/>
-        </p:nvSpPr>
-        <p:spPr>
-          <a:xfrm>
-            <a:off x="3763108" y="1626427"/>
-            <a:ext cx="4572000" cy="2031325"/>
-          </a:xfrm>
-          <a:prstGeom prst="rect">
-            <a:avLst/>
-          </a:prstGeom>
-        </p:spPr>
-        <p:txBody>
-          <a:bodyPr>
-            <a:spAutoFit/>
-          </a:bodyPr>
-          <a:lstStyle/>
-          <a:p>
-            <a:r>
-              <a:rPr lang="en-US" dirty="0">
-                <a:solidFill>
-                  <a:srgbClr val="0000FF"/>
-                </a:solidFill>
-                <a:latin typeface="Consolas" panose="020B0609020204030204" pitchFamily="49" charset="0"/>
-              </a:rPr>
-              <a:t>SELECT</a:t>
-            </a:r>
-            <a:r>
-              <a:rPr lang="en-US" dirty="0">
-                <a:solidFill>
-                  <a:prstClr val="black"/>
-                </a:solidFill>
-                <a:latin typeface="Consolas" panose="020B0609020204030204" pitchFamily="49" charset="0"/>
-              </a:rPr>
-              <a:t> </a:t>
-            </a:r>
-            <a:r>
-              <a:rPr lang="en-US" dirty="0" err="1">
-                <a:solidFill>
-                  <a:prstClr val="black"/>
-                </a:solidFill>
-                <a:latin typeface="Consolas" panose="020B0609020204030204" pitchFamily="49" charset="0"/>
-              </a:rPr>
-              <a:t>orderid</a:t>
-            </a:r>
-            <a:r>
-              <a:rPr lang="en-US" dirty="0">
-                <a:solidFill>
-                  <a:srgbClr val="808080"/>
-                </a:solidFill>
-                <a:latin typeface="Consolas" panose="020B0609020204030204" pitchFamily="49" charset="0"/>
-              </a:rPr>
-              <a:t>,</a:t>
-            </a:r>
-            <a:r>
-              <a:rPr lang="en-US" dirty="0">
-                <a:solidFill>
-                  <a:prstClr val="black"/>
-                </a:solidFill>
-                <a:latin typeface="Consolas" panose="020B0609020204030204" pitchFamily="49" charset="0"/>
-              </a:rPr>
-              <a:t> </a:t>
-            </a:r>
-            <a:r>
-              <a:rPr lang="en-US" dirty="0" err="1">
-                <a:solidFill>
-                  <a:prstClr val="black"/>
-                </a:solidFill>
-                <a:latin typeface="Consolas" panose="020B0609020204030204" pitchFamily="49" charset="0"/>
-              </a:rPr>
-              <a:t>orderdate</a:t>
-            </a:r>
-            <a:r>
-              <a:rPr lang="en-US" dirty="0">
-                <a:solidFill>
-                  <a:srgbClr val="808080"/>
-                </a:solidFill>
-                <a:latin typeface="Consolas" panose="020B0609020204030204" pitchFamily="49" charset="0"/>
-              </a:rPr>
-              <a:t>,</a:t>
-            </a:r>
-            <a:r>
-              <a:rPr lang="en-US" dirty="0">
-                <a:solidFill>
-                  <a:prstClr val="black"/>
-                </a:solidFill>
-                <a:latin typeface="Consolas" panose="020B0609020204030204" pitchFamily="49" charset="0"/>
-              </a:rPr>
-              <a:t> </a:t>
-            </a:r>
-            <a:r>
-              <a:rPr lang="en-US" dirty="0" err="1">
-                <a:solidFill>
-                  <a:prstClr val="black"/>
-                </a:solidFill>
-                <a:latin typeface="Consolas" panose="020B0609020204030204" pitchFamily="49" charset="0"/>
-              </a:rPr>
-              <a:t>empid</a:t>
-            </a:r>
-            <a:r>
-              <a:rPr lang="en-US" dirty="0">
-                <a:solidFill>
-                  <a:srgbClr val="808080"/>
-                </a:solidFill>
-                <a:latin typeface="Consolas" panose="020B0609020204030204" pitchFamily="49" charset="0"/>
-              </a:rPr>
-              <a:t>,</a:t>
-            </a:r>
-            <a:r>
-              <a:rPr lang="en-US" dirty="0">
-                <a:solidFill>
-                  <a:prstClr val="black"/>
-                </a:solidFill>
-                <a:latin typeface="Consolas" panose="020B0609020204030204" pitchFamily="49" charset="0"/>
-              </a:rPr>
-              <a:t> </a:t>
-            </a:r>
-            <a:r>
-              <a:rPr lang="en-US" dirty="0" err="1">
-                <a:solidFill>
-                  <a:prstClr val="black"/>
-                </a:solidFill>
-                <a:latin typeface="Consolas" panose="020B0609020204030204" pitchFamily="49" charset="0"/>
-              </a:rPr>
-              <a:t>custid</a:t>
-            </a:r>
-            <a:endParaRPr lang="en-US" dirty="0">
-              <a:solidFill>
-                <a:prstClr val="black"/>
-              </a:solidFill>
-              <a:latin typeface="Consolas" panose="020B0609020204030204" pitchFamily="49" charset="0"/>
-            </a:endParaRPr>
-          </a:p>
-          <a:p>
-            <a:r>
-              <a:rPr lang="en-US" dirty="0">
-                <a:solidFill>
-                  <a:srgbClr val="0000FF"/>
-                </a:solidFill>
-                <a:latin typeface="Consolas" panose="020B0609020204030204" pitchFamily="49" charset="0"/>
-              </a:rPr>
-              <a:t>FROM</a:t>
-            </a:r>
-            <a:r>
-              <a:rPr lang="en-US" dirty="0">
-                <a:solidFill>
-                  <a:prstClr val="black"/>
-                </a:solidFill>
-                <a:latin typeface="Consolas" panose="020B0609020204030204" pitchFamily="49" charset="0"/>
-              </a:rPr>
-              <a:t> </a:t>
-            </a:r>
-            <a:r>
-              <a:rPr lang="en-US" dirty="0" err="1">
-                <a:solidFill>
-                  <a:prstClr val="black"/>
-                </a:solidFill>
-                <a:latin typeface="Consolas" panose="020B0609020204030204" pitchFamily="49" charset="0"/>
-              </a:rPr>
-              <a:t>Sales</a:t>
-            </a:r>
-            <a:r>
-              <a:rPr lang="en-US" dirty="0" err="1">
-                <a:solidFill>
-                  <a:srgbClr val="808080"/>
-                </a:solidFill>
-                <a:latin typeface="Consolas" panose="020B0609020204030204" pitchFamily="49" charset="0"/>
-              </a:rPr>
-              <a:t>.</a:t>
-            </a:r>
-            <a:r>
-              <a:rPr lang="en-US" dirty="0" err="1">
-                <a:solidFill>
-                  <a:prstClr val="black"/>
-                </a:solidFill>
-                <a:latin typeface="Consolas" panose="020B0609020204030204" pitchFamily="49" charset="0"/>
-              </a:rPr>
-              <a:t>Orders</a:t>
-            </a:r>
-            <a:endParaRPr lang="en-US" dirty="0">
-              <a:solidFill>
-                <a:prstClr val="black"/>
-              </a:solidFill>
-              <a:latin typeface="Consolas" panose="020B0609020204030204" pitchFamily="49" charset="0"/>
-            </a:endParaRPr>
-          </a:p>
-          <a:p>
-            <a:r>
-              <a:rPr lang="en-US" dirty="0">
-                <a:solidFill>
-                  <a:srgbClr val="0000FF"/>
-                </a:solidFill>
-                <a:latin typeface="Consolas" panose="020B0609020204030204" pitchFamily="49" charset="0"/>
-              </a:rPr>
-              <a:t>WHERE</a:t>
-            </a:r>
-            <a:r>
-              <a:rPr lang="en-US" dirty="0">
-                <a:solidFill>
-                  <a:prstClr val="black"/>
-                </a:solidFill>
-                <a:latin typeface="Consolas" panose="020B0609020204030204" pitchFamily="49" charset="0"/>
-              </a:rPr>
-              <a:t> </a:t>
-            </a:r>
-            <a:r>
-              <a:rPr lang="en-US" dirty="0" err="1">
-                <a:solidFill>
-                  <a:prstClr val="black"/>
-                </a:solidFill>
-                <a:latin typeface="Consolas" panose="020B0609020204030204" pitchFamily="49" charset="0"/>
-              </a:rPr>
-              <a:t>orderdate</a:t>
-            </a:r>
-            <a:r>
-              <a:rPr lang="en-US" dirty="0">
-                <a:solidFill>
-                  <a:prstClr val="black"/>
-                </a:solidFill>
-                <a:latin typeface="Consolas" panose="020B0609020204030204" pitchFamily="49" charset="0"/>
-              </a:rPr>
-              <a:t> </a:t>
-            </a:r>
-            <a:r>
-              <a:rPr lang="en-US" dirty="0">
-                <a:solidFill>
-                  <a:srgbClr val="808080"/>
-                </a:solidFill>
-                <a:latin typeface="Consolas" panose="020B0609020204030204" pitchFamily="49" charset="0"/>
-              </a:rPr>
-              <a:t>=</a:t>
-            </a:r>
-            <a:r>
-              <a:rPr lang="en-US" dirty="0">
-                <a:solidFill>
-                  <a:prstClr val="black"/>
-                </a:solidFill>
-                <a:latin typeface="Consolas" panose="020B0609020204030204" pitchFamily="49" charset="0"/>
-              </a:rPr>
-              <a:t> </a:t>
-            </a:r>
-            <a:r>
-              <a:rPr lang="en-US" dirty="0">
-                <a:solidFill>
-                  <a:srgbClr val="FF0000"/>
-                </a:solidFill>
-                <a:latin typeface="Consolas" panose="020B0609020204030204" pitchFamily="49" charset="0"/>
-              </a:rPr>
-              <a:t>'02/12/07'</a:t>
-            </a:r>
-            <a:r>
-              <a:rPr lang="en-US" dirty="0">
-                <a:solidFill>
-                  <a:srgbClr val="808080"/>
-                </a:solidFill>
-                <a:latin typeface="Consolas" panose="020B0609020204030204" pitchFamily="49" charset="0"/>
-              </a:rPr>
-              <a:t>;</a:t>
-            </a:r>
-            <a:endParaRPr lang="en-US" dirty="0">
-              <a:solidFill>
-                <a:prstClr val="black"/>
-              </a:solidFill>
-              <a:latin typeface="Consolas" panose="020B0609020204030204" pitchFamily="49" charset="0"/>
-            </a:endParaRPr>
-          </a:p>
-          <a:p>
-            <a:endParaRPr lang="en-US" dirty="0">
-              <a:solidFill>
-                <a:prstClr val="black"/>
-              </a:solidFill>
-              <a:latin typeface="Consolas" panose="020B0609020204030204" pitchFamily="49" charset="0"/>
-            </a:endParaRPr>
-          </a:p>
-          <a:p>
-            <a:endParaRPr lang="en-US" dirty="0">
-              <a:solidFill>
-                <a:prstClr val="black"/>
-              </a:solidFill>
-              <a:latin typeface="Consolas" panose="020B0609020204030204" pitchFamily="49" charset="0"/>
-            </a:endParaRPr>
-          </a:p>
-          <a:p>
-            <a:endParaRPr lang="en-US" dirty="0">
-              <a:solidFill>
-                <a:prstClr val="black"/>
-              </a:solidFill>
-              <a:latin typeface="Consolas" panose="020B0609020204030204" pitchFamily="49" charset="0"/>
-            </a:endParaRPr>
-          </a:p>
-          <a:p>
-            <a:r>
-              <a:rPr lang="en-US" dirty="0">
-                <a:solidFill>
-                  <a:srgbClr val="0000FF"/>
-                </a:solidFill>
-                <a:latin typeface="Consolas" panose="020B0609020204030204" pitchFamily="49" charset="0"/>
-              </a:rPr>
-              <a:t>SELECT</a:t>
-            </a:r>
-            <a:r>
-              <a:rPr lang="en-US" dirty="0">
-                <a:solidFill>
-                  <a:prstClr val="black"/>
-                </a:solidFill>
-                <a:latin typeface="Consolas" panose="020B0609020204030204" pitchFamily="49" charset="0"/>
-              </a:rPr>
-              <a:t> </a:t>
-            </a:r>
-            <a:r>
-              <a:rPr lang="en-US" dirty="0" err="1">
-                <a:solidFill>
-                  <a:prstClr val="black"/>
-                </a:solidFill>
-                <a:latin typeface="Consolas" panose="020B0609020204030204" pitchFamily="49" charset="0"/>
-              </a:rPr>
-              <a:t>orderid</a:t>
-            </a:r>
-            <a:r>
-              <a:rPr lang="en-US" dirty="0">
-                <a:solidFill>
-                  <a:srgbClr val="808080"/>
-                </a:solidFill>
-                <a:latin typeface="Consolas" panose="020B0609020204030204" pitchFamily="49" charset="0"/>
-              </a:rPr>
-              <a:t>,</a:t>
-            </a:r>
-            <a:r>
-              <a:rPr lang="en-US" dirty="0">
-                <a:solidFill>
-                  <a:prstClr val="black"/>
-                </a:solidFill>
-                <a:latin typeface="Consolas" panose="020B0609020204030204" pitchFamily="49" charset="0"/>
-              </a:rPr>
-              <a:t> </a:t>
-            </a:r>
-            <a:r>
-              <a:rPr lang="en-US" dirty="0" err="1">
-                <a:solidFill>
-                  <a:prstClr val="black"/>
-                </a:solidFill>
-                <a:latin typeface="Consolas" panose="020B0609020204030204" pitchFamily="49" charset="0"/>
-              </a:rPr>
-              <a:t>orderdate</a:t>
-            </a:r>
-            <a:r>
-              <a:rPr lang="en-US" dirty="0">
-                <a:solidFill>
-                  <a:srgbClr val="808080"/>
-                </a:solidFill>
-                <a:latin typeface="Consolas" panose="020B0609020204030204" pitchFamily="49" charset="0"/>
-              </a:rPr>
-              <a:t>,</a:t>
-            </a:r>
-            <a:r>
-              <a:rPr lang="en-US" dirty="0">
-                <a:solidFill>
-                  <a:prstClr val="black"/>
-                </a:solidFill>
-                <a:latin typeface="Consolas" panose="020B0609020204030204" pitchFamily="49" charset="0"/>
-              </a:rPr>
-              <a:t> </a:t>
-            </a:r>
-            <a:r>
-              <a:rPr lang="en-US" dirty="0" err="1">
-                <a:solidFill>
-                  <a:prstClr val="black"/>
-                </a:solidFill>
-                <a:latin typeface="Consolas" panose="020B0609020204030204" pitchFamily="49" charset="0"/>
-              </a:rPr>
-              <a:t>empid</a:t>
-            </a:r>
-            <a:r>
-              <a:rPr lang="en-US" dirty="0">
-                <a:solidFill>
-                  <a:srgbClr val="808080"/>
-                </a:solidFill>
-                <a:latin typeface="Consolas" panose="020B0609020204030204" pitchFamily="49" charset="0"/>
-              </a:rPr>
-              <a:t>,</a:t>
-            </a:r>
-            <a:r>
-              <a:rPr lang="en-US" dirty="0">
-                <a:solidFill>
-                  <a:prstClr val="black"/>
-                </a:solidFill>
-                <a:latin typeface="Consolas" panose="020B0609020204030204" pitchFamily="49" charset="0"/>
-              </a:rPr>
-              <a:t> </a:t>
-            </a:r>
-            <a:r>
-              <a:rPr lang="en-US" dirty="0" err="1">
-                <a:solidFill>
-                  <a:prstClr val="black"/>
-                </a:solidFill>
-                <a:latin typeface="Consolas" panose="020B0609020204030204" pitchFamily="49" charset="0"/>
-              </a:rPr>
-              <a:t>custid</a:t>
-            </a:r>
-            <a:endParaRPr lang="en-US" dirty="0">
-              <a:solidFill>
-                <a:prstClr val="black"/>
-              </a:solidFill>
-              <a:latin typeface="Consolas" panose="020B0609020204030204" pitchFamily="49" charset="0"/>
-            </a:endParaRPr>
-          </a:p>
-          <a:p>
-            <a:r>
-              <a:rPr lang="en-US" dirty="0">
-                <a:solidFill>
-                  <a:srgbClr val="0000FF"/>
-                </a:solidFill>
-                <a:latin typeface="Consolas" panose="020B0609020204030204" pitchFamily="49" charset="0"/>
-              </a:rPr>
-              <a:t>FROM</a:t>
-            </a:r>
-            <a:r>
-              <a:rPr lang="en-US" dirty="0">
-                <a:solidFill>
-                  <a:prstClr val="black"/>
-                </a:solidFill>
-                <a:latin typeface="Consolas" panose="020B0609020204030204" pitchFamily="49" charset="0"/>
-              </a:rPr>
-              <a:t> </a:t>
-            </a:r>
-            <a:r>
-              <a:rPr lang="en-US" dirty="0" err="1">
-                <a:solidFill>
-                  <a:prstClr val="black"/>
-                </a:solidFill>
-                <a:latin typeface="Consolas" panose="020B0609020204030204" pitchFamily="49" charset="0"/>
-              </a:rPr>
-              <a:t>Sales</a:t>
-            </a:r>
-            <a:r>
-              <a:rPr lang="en-US" dirty="0" err="1">
-                <a:solidFill>
-                  <a:srgbClr val="808080"/>
-                </a:solidFill>
-                <a:latin typeface="Consolas" panose="020B0609020204030204" pitchFamily="49" charset="0"/>
-              </a:rPr>
-              <a:t>.</a:t>
-            </a:r>
-            <a:r>
-              <a:rPr lang="en-US" dirty="0" err="1">
-                <a:solidFill>
-                  <a:prstClr val="black"/>
-                </a:solidFill>
-                <a:latin typeface="Consolas" panose="020B0609020204030204" pitchFamily="49" charset="0"/>
-              </a:rPr>
-              <a:t>Orders</a:t>
-            </a:r>
-            <a:endParaRPr lang="en-US" dirty="0">
-              <a:solidFill>
-                <a:prstClr val="black"/>
-              </a:solidFill>
-              <a:latin typeface="Consolas" panose="020B0609020204030204" pitchFamily="49" charset="0"/>
-            </a:endParaRPr>
-          </a:p>
-          <a:p>
-            <a:r>
-              <a:rPr lang="en-US" dirty="0">
-                <a:solidFill>
-                  <a:srgbClr val="0000FF"/>
-                </a:solidFill>
-                <a:latin typeface="Consolas" panose="020B0609020204030204" pitchFamily="49" charset="0"/>
-              </a:rPr>
-              <a:t>WHERE</a:t>
-            </a:r>
-            <a:r>
-              <a:rPr lang="en-US" dirty="0">
-                <a:solidFill>
-                  <a:prstClr val="black"/>
-                </a:solidFill>
-                <a:latin typeface="Consolas" panose="020B0609020204030204" pitchFamily="49" charset="0"/>
-              </a:rPr>
-              <a:t> </a:t>
-            </a:r>
-            <a:r>
-              <a:rPr lang="en-US" dirty="0" err="1">
-                <a:solidFill>
-                  <a:prstClr val="black"/>
-                </a:solidFill>
-                <a:latin typeface="Consolas" panose="020B0609020204030204" pitchFamily="49" charset="0"/>
-              </a:rPr>
-              <a:t>orderdate</a:t>
-            </a:r>
-            <a:r>
-              <a:rPr lang="en-US" dirty="0">
-                <a:solidFill>
-                  <a:prstClr val="black"/>
-                </a:solidFill>
-                <a:latin typeface="Consolas" panose="020B0609020204030204" pitchFamily="49" charset="0"/>
-              </a:rPr>
-              <a:t> </a:t>
-            </a:r>
-            <a:r>
-              <a:rPr lang="en-US" dirty="0">
-                <a:solidFill>
-                  <a:srgbClr val="808080"/>
-                </a:solidFill>
-                <a:latin typeface="Consolas" panose="020B0609020204030204" pitchFamily="49" charset="0"/>
-              </a:rPr>
-              <a:t>=</a:t>
-            </a:r>
-            <a:r>
-              <a:rPr lang="en-US" dirty="0">
-                <a:solidFill>
-                  <a:prstClr val="black"/>
-                </a:solidFill>
-                <a:latin typeface="Consolas" panose="020B0609020204030204" pitchFamily="49" charset="0"/>
-              </a:rPr>
-              <a:t> </a:t>
-            </a:r>
-            <a:r>
-              <a:rPr lang="en-US" dirty="0">
-                <a:solidFill>
-                  <a:srgbClr val="FF0000"/>
-                </a:solidFill>
-                <a:latin typeface="Consolas" panose="020B0609020204030204" pitchFamily="49" charset="0"/>
-              </a:rPr>
-              <a:t>'20070212'</a:t>
-            </a:r>
-            <a:r>
-              <a:rPr lang="en-US" dirty="0">
-                <a:solidFill>
-                  <a:srgbClr val="808080"/>
-                </a:solidFill>
-                <a:latin typeface="Consolas" panose="020B0609020204030204" pitchFamily="49" charset="0"/>
-              </a:rPr>
-              <a:t>;</a:t>
-            </a:r>
-          </a:p>
-        </p:txBody>
-      </p:sp>
-      <p:sp>
-        <p:nvSpPr>
-          <p:cNvPr id="5" name="Title 4">
-            <a:extLst>
-              <a:ext uri="{FF2B5EF4-FFF2-40B4-BE49-F238E27FC236}">
-                <a16:creationId xmlns:a16="http://schemas.microsoft.com/office/drawing/2014/main" id="{9A477F32-F8B6-4A49-9230-8502E241C4A9}"/>
-              </a:ext>
-            </a:extLst>
-          </p:cNvPr>
-          <p:cNvSpPr>
-            <a:spLocks noGrp="1"/>
-          </p:cNvSpPr>
-          <p:nvPr>
-            <p:ph type="title"/>
-          </p:nvPr>
-        </p:nvSpPr>
-        <p:spPr/>
-        <p:txBody>
-          <a:bodyPr/>
-          <a:lstStyle/>
-          <a:p>
-            <a:r>
-              <a:rPr lang="en-US" dirty="0"/>
-              <a:t>Filtering and Sorting Data</a:t>
-            </a:r>
-          </a:p>
-        </p:txBody>
-      </p:sp>
-      <p:sp>
-        <p:nvSpPr>
-          <p:cNvPr id="7" name="Text Placeholder 6">
-            <a:extLst>
-              <a:ext uri="{FF2B5EF4-FFF2-40B4-BE49-F238E27FC236}">
-                <a16:creationId xmlns:a16="http://schemas.microsoft.com/office/drawing/2014/main" id="{FAEB8351-D6BE-4E27-8EBA-94BF32197DDD}"/>
-              </a:ext>
-            </a:extLst>
-          </p:cNvPr>
-          <p:cNvSpPr>
-            <a:spLocks noGrp="1"/>
-          </p:cNvSpPr>
-          <p:nvPr>
-            <p:ph type="body" sz="quarter" idx="11"/>
-          </p:nvPr>
-        </p:nvSpPr>
-        <p:spPr/>
-        <p:txBody>
-          <a:bodyPr/>
-          <a:lstStyle/>
-          <a:p>
-            <a:r>
-              <a:rPr lang="en-US" dirty="0"/>
-              <a:t>Filtering Date and Time Data</a:t>
-            </a:r>
-            <a:endParaRPr lang="en-US" b="1" dirty="0"/>
-          </a:p>
-          <a:p>
-            <a:endParaRPr lang="en-US" dirty="0"/>
-          </a:p>
-        </p:txBody>
-      </p:sp>
-      <p:sp>
-        <p:nvSpPr>
-          <p:cNvPr id="8" name="Slide Number Placeholder 7">
-            <a:extLst>
-              <a:ext uri="{FF2B5EF4-FFF2-40B4-BE49-F238E27FC236}">
-                <a16:creationId xmlns:a16="http://schemas.microsoft.com/office/drawing/2014/main" id="{AF2F4289-9E8A-4174-8A8A-DFF873DC27B7}"/>
-              </a:ext>
-            </a:extLst>
-          </p:cNvPr>
-          <p:cNvSpPr>
-            <a:spLocks noGrp="1"/>
-          </p:cNvSpPr>
-          <p:nvPr>
-            <p:ph type="sldNum" sz="quarter" idx="4"/>
-          </p:nvPr>
-        </p:nvSpPr>
-        <p:spPr/>
-        <p:txBody>
-          <a:bodyPr/>
-          <a:lstStyle/>
-          <a:p>
-            <a:fld id="{3A707DD9-E92B-45E8-BE0A-E6B2EDF345EB}" type="slidenum">
-              <a:rPr lang="en-US" smtClean="0"/>
-              <a:pPr/>
-              <a:t>13</a:t>
-            </a:fld>
-            <a:endParaRPr lang="en-US" dirty="0"/>
-          </a:p>
-        </p:txBody>
-      </p:sp>
-    </p:spTree>
-    <p:extLst>
-      <p:ext uri="{BB962C8B-B14F-4D97-AF65-F5344CB8AC3E}">
-        <p14:creationId xmlns:p14="http://schemas.microsoft.com/office/powerpoint/2010/main" val="3102299352"/>
-      </p:ext>
-    </p:extLst>
-  </p:cSld>
-  <p:clrMapOvr>
-    <a:masterClrMapping/>
-  </p:clrMapOvr>
-</p:sld>
-</file>
-
-<file path=ppt/slides/slide14.xml><?xml version="1.0" encoding="utf-8"?>
-<p:sld xmlns:a="http://schemas.openxmlformats.org/drawingml/2006/main" xmlns:r="http://schemas.openxmlformats.org/officeDocument/2006/relationships" xmlns:p="http://schemas.openxmlformats.org/presentationml/2006/main">
-  <p:cSld>
-    <p:spTree>
-      <p:nvGrpSpPr>
-        <p:cNvPr id="1" name=""/>
-        <p:cNvGrpSpPr/>
-        <p:nvPr/>
-      </p:nvGrpSpPr>
-      <p:grpSpPr>
-        <a:xfrm>
-          <a:off x="0" y="0"/>
-          <a:ext cx="0" cy="0"/>
-          <a:chOff x="0" y="0"/>
-          <a:chExt cx="0" cy="0"/>
-        </a:xfrm>
-      </p:grpSpPr>
-      <p:sp>
-        <p:nvSpPr>
-          <p:cNvPr id="12" name="Content Placeholder 2"/>
-          <p:cNvSpPr txBox="1">
-            <a:spLocks/>
-          </p:cNvSpPr>
-          <p:nvPr/>
-        </p:nvSpPr>
-        <p:spPr>
-          <a:xfrm>
             <a:off x="357187" y="1401259"/>
             <a:ext cx="3557588" cy="2227766"/>
           </a:xfrm>
@@ -27366,7 +26421,7 @@
             <a:fld id="{3A707DD9-E92B-45E8-BE0A-E6B2EDF345EB}" type="slidenum">
               <a:rPr lang="en-US" smtClean="0"/>
               <a:pPr/>
-              <a:t>14</a:t>
+              <a:t>13</a:t>
             </a:fld>
             <a:endParaRPr lang="en-US" dirty="0"/>
           </a:p>
@@ -27385,7 +26440,7 @@
 </p:sld>
 </file>
 
-<file path=ppt/slides/slide15.xml><?xml version="1.0" encoding="utf-8"?>
+<file path=ppt/slides/slide14.xml><?xml version="1.0" encoding="utf-8"?>
 <p:sld xmlns:a="http://schemas.openxmlformats.org/drawingml/2006/main" xmlns:r="http://schemas.openxmlformats.org/officeDocument/2006/relationships" xmlns:p="http://schemas.openxmlformats.org/presentationml/2006/main">
   <p:cSld>
     <p:spTree>
@@ -27454,7 +26509,7 @@
             <a:fld id="{3A707DD9-E92B-45E8-BE0A-E6B2EDF345EB}" type="slidenum">
               <a:rPr lang="en-US" smtClean="0"/>
               <a:pPr/>
-              <a:t>15</a:t>
+              <a:t>14</a:t>
             </a:fld>
             <a:endParaRPr lang="en-US" dirty="0"/>
           </a:p>
@@ -27632,7 +26687,7 @@
 </p:sld>
 </file>
 
-<file path=ppt/slides/slide16.xml><?xml version="1.0" encoding="utf-8"?>
+<file path=ppt/slides/slide15.xml><?xml version="1.0" encoding="utf-8"?>
 <p:sld xmlns:a="http://schemas.openxmlformats.org/drawingml/2006/main" xmlns:r="http://schemas.openxmlformats.org/officeDocument/2006/relationships" xmlns:p="http://schemas.openxmlformats.org/presentationml/2006/main">
   <p:cSld>
     <p:spTree>
@@ -27690,7 +26745,7 @@
 </p:sld>
 </file>
 
-<file path=ppt/slides/slide17.xml><?xml version="1.0" encoding="utf-8"?>
+<file path=ppt/slides/slide16.xml><?xml version="1.0" encoding="utf-8"?>
 <p:sld xmlns:a="http://schemas.openxmlformats.org/drawingml/2006/main" xmlns:r="http://schemas.openxmlformats.org/officeDocument/2006/relationships" xmlns:p="http://schemas.openxmlformats.org/presentationml/2006/main">
   <p:cSld>
     <p:spTree>
@@ -27814,7 +26869,7 @@
             <a:fld id="{3A707DD9-E92B-45E8-BE0A-E6B2EDF345EB}" type="slidenum">
               <a:rPr lang="en-US" smtClean="0"/>
               <a:pPr/>
-              <a:t>17</a:t>
+              <a:t>16</a:t>
             </a:fld>
             <a:endParaRPr lang="en-US" dirty="0"/>
           </a:p>
@@ -27833,7 +26888,7 @@
 </p:sld>
 </file>
 
-<file path=ppt/slides/slide18.xml><?xml version="1.0" encoding="utf-8"?>
+<file path=ppt/slides/slide17.xml><?xml version="1.0" encoding="utf-8"?>
 <p:sld xmlns:a="http://schemas.openxmlformats.org/drawingml/2006/main" xmlns:r="http://schemas.openxmlformats.org/officeDocument/2006/relationships" xmlns:p="http://schemas.openxmlformats.org/presentationml/2006/main">
   <p:cSld>
     <p:spTree>
@@ -27955,7 +27010,7 @@
             <a:fld id="{3A707DD9-E92B-45E8-BE0A-E6B2EDF345EB}" type="slidenum">
               <a:rPr lang="en-US" smtClean="0"/>
               <a:pPr/>
-              <a:t>18</a:t>
+              <a:t>17</a:t>
             </a:fld>
             <a:endParaRPr lang="en-US" dirty="0"/>
           </a:p>
@@ -27974,7 +27029,7 @@
 </p:sld>
 </file>
 
-<file path=ppt/slides/slide19.xml><?xml version="1.0" encoding="utf-8"?>
+<file path=ppt/slides/slide18.xml><?xml version="1.0" encoding="utf-8"?>
 <p:sld xmlns:a="http://schemas.openxmlformats.org/drawingml/2006/main" xmlns:r="http://schemas.openxmlformats.org/officeDocument/2006/relationships" xmlns:p="http://schemas.openxmlformats.org/presentationml/2006/main">
   <p:cSld>
     <p:spTree>
@@ -28095,6 +27150,146 @@
             <a:fld id="{3A707DD9-E92B-45E8-BE0A-E6B2EDF345EB}" type="slidenum">
               <a:rPr lang="en-US" smtClean="0"/>
               <a:pPr/>
+              <a:t>18</a:t>
+            </a:fld>
+            <a:endParaRPr lang="en-US" dirty="0"/>
+          </a:p>
+        </p:txBody>
+      </p:sp>
+    </p:spTree>
+    <p:extLst>
+      <p:ext uri="{BB962C8B-B14F-4D97-AF65-F5344CB8AC3E}">
+        <p14:creationId xmlns:p14="http://schemas.microsoft.com/office/powerpoint/2010/main" val="4039768163"/>
+      </p:ext>
+    </p:extLst>
+  </p:cSld>
+  <p:clrMapOvr>
+    <a:masterClrMapping/>
+  </p:clrMapOvr>
+</p:sld>
+</file>
+
+<file path=ppt/slides/slide19.xml><?xml version="1.0" encoding="utf-8"?>
+<p:sld xmlns:a="http://schemas.openxmlformats.org/drawingml/2006/main" xmlns:r="http://schemas.openxmlformats.org/officeDocument/2006/relationships" xmlns:p="http://schemas.openxmlformats.org/presentationml/2006/main">
+  <p:cSld>
+    <p:spTree>
+      <p:nvGrpSpPr>
+        <p:cNvPr id="1" name=""/>
+        <p:cNvGrpSpPr/>
+        <p:nvPr/>
+      </p:nvGrpSpPr>
+      <p:grpSpPr>
+        <a:xfrm>
+          <a:off x="0" y="0"/>
+          <a:ext cx="0" cy="0"/>
+          <a:chOff x="0" y="0"/>
+          <a:chExt cx="0" cy="0"/>
+        </a:xfrm>
+      </p:grpSpPr>
+      <p:pic>
+        <p:nvPicPr>
+          <p:cNvPr id="3" name="Picture 2"/>
+          <p:cNvPicPr>
+            <a:picLocks noChangeAspect="1"/>
+          </p:cNvPicPr>
+          <p:nvPr/>
+        </p:nvPicPr>
+        <p:blipFill>
+          <a:blip r:embed="rId3"/>
+          <a:stretch>
+            <a:fillRect/>
+          </a:stretch>
+        </p:blipFill>
+        <p:spPr>
+          <a:xfrm>
+            <a:off x="3275274" y="832635"/>
+            <a:ext cx="2593451" cy="3994134"/>
+          </a:xfrm>
+          <a:prstGeom prst="rect">
+            <a:avLst/>
+          </a:prstGeom>
+        </p:spPr>
+      </p:pic>
+      <p:sp>
+        <p:nvSpPr>
+          <p:cNvPr id="5" name="Title 4">
+            <a:extLst>
+              <a:ext uri="{FF2B5EF4-FFF2-40B4-BE49-F238E27FC236}">
+                <a16:creationId xmlns:a16="http://schemas.microsoft.com/office/drawing/2014/main" id="{C060B0EF-F04A-4E9D-8D6B-92BB2C56EC61}"/>
+              </a:ext>
+            </a:extLst>
+          </p:cNvPr>
+          <p:cNvSpPr>
+            <a:spLocks noGrp="1"/>
+          </p:cNvSpPr>
+          <p:nvPr>
+            <p:ph type="title"/>
+          </p:nvPr>
+        </p:nvSpPr>
+        <p:spPr/>
+        <p:txBody>
+          <a:bodyPr/>
+          <a:lstStyle/>
+          <a:p>
+            <a:r>
+              <a:rPr lang="en-US" dirty="0"/>
+              <a:t>Combining Sets</a:t>
+            </a:r>
+          </a:p>
+        </p:txBody>
+      </p:sp>
+      <p:sp>
+        <p:nvSpPr>
+          <p:cNvPr id="7" name="Text Placeholder 6">
+            <a:extLst>
+              <a:ext uri="{FF2B5EF4-FFF2-40B4-BE49-F238E27FC236}">
+                <a16:creationId xmlns:a16="http://schemas.microsoft.com/office/drawing/2014/main" id="{7DD7BD59-51FF-469A-A6B7-B367E83E7343}"/>
+              </a:ext>
+            </a:extLst>
+          </p:cNvPr>
+          <p:cNvSpPr>
+            <a:spLocks noGrp="1"/>
+          </p:cNvSpPr>
+          <p:nvPr>
+            <p:ph type="body" sz="quarter" idx="11"/>
+          </p:nvPr>
+        </p:nvSpPr>
+        <p:spPr/>
+        <p:txBody>
+          <a:bodyPr/>
+          <a:lstStyle/>
+          <a:p>
+            <a:r>
+              <a:rPr lang="en-US" sz="1200" dirty="0"/>
+              <a:t>FULL OUTER JOIN</a:t>
+            </a:r>
+          </a:p>
+        </p:txBody>
+      </p:sp>
+      <p:sp>
+        <p:nvSpPr>
+          <p:cNvPr id="8" name="Slide Number Placeholder 7">
+            <a:extLst>
+              <a:ext uri="{FF2B5EF4-FFF2-40B4-BE49-F238E27FC236}">
+                <a16:creationId xmlns:a16="http://schemas.microsoft.com/office/drawing/2014/main" id="{C052E2EE-3323-46A4-BA42-F090551DDE3F}"/>
+              </a:ext>
+            </a:extLst>
+          </p:cNvPr>
+          <p:cNvSpPr>
+            <a:spLocks noGrp="1"/>
+          </p:cNvSpPr>
+          <p:nvPr>
+            <p:ph type="sldNum" sz="quarter" idx="4"/>
+          </p:nvPr>
+        </p:nvSpPr>
+        <p:spPr/>
+        <p:txBody>
+          <a:bodyPr/>
+          <a:lstStyle/>
+          <a:p>
+            <a:fld id="{3A707DD9-E92B-45E8-BE0A-E6B2EDF345EB}" type="slidenum">
+              <a:rPr lang="en-US" smtClean="0"/>
+              <a:pPr/>
               <a:t>19</a:t>
             </a:fld>
             <a:endParaRPr lang="en-US" dirty="0"/>
@@ -28104,7 +27299,7 @@
     </p:spTree>
     <p:extLst>
       <p:ext uri="{BB962C8B-B14F-4D97-AF65-F5344CB8AC3E}">
-        <p14:creationId xmlns:p14="http://schemas.microsoft.com/office/powerpoint/2010/main" val="4039768163"/>
+        <p14:creationId xmlns:p14="http://schemas.microsoft.com/office/powerpoint/2010/main" val="356624772"/>
       </p:ext>
     </p:extLst>
   </p:cSld>
@@ -28839,7 +28034,7 @@
             </a:pPr>
             <a:r>
               <a:rPr lang="en-US" sz="1100" b="1" dirty="0"/>
-              <a:t>Working with Git, Jira, Draw.io</a:t>
+              <a:t>Database Design</a:t>
             </a:r>
           </a:p>
         </p:txBody>
@@ -29266,7 +28461,7 @@
             </a:pPr>
             <a:r>
               <a:rPr lang="en-US" sz="1100" b="1" dirty="0"/>
-              <a:t>Library OLTP Database (Homework assignment) </a:t>
+              <a:t>Working with Jira, Draw.io</a:t>
             </a:r>
           </a:p>
         </p:txBody>
@@ -29428,146 +28623,6 @@
       </p:grpSpPr>
       <p:pic>
         <p:nvPicPr>
-          <p:cNvPr id="3" name="Picture 2"/>
-          <p:cNvPicPr>
-            <a:picLocks noChangeAspect="1"/>
-          </p:cNvPicPr>
-          <p:nvPr/>
-        </p:nvPicPr>
-        <p:blipFill>
-          <a:blip r:embed="rId3"/>
-          <a:stretch>
-            <a:fillRect/>
-          </a:stretch>
-        </p:blipFill>
-        <p:spPr>
-          <a:xfrm>
-            <a:off x="3275274" y="832635"/>
-            <a:ext cx="2593451" cy="3994134"/>
-          </a:xfrm>
-          <a:prstGeom prst="rect">
-            <a:avLst/>
-          </a:prstGeom>
-        </p:spPr>
-      </p:pic>
-      <p:sp>
-        <p:nvSpPr>
-          <p:cNvPr id="5" name="Title 4">
-            <a:extLst>
-              <a:ext uri="{FF2B5EF4-FFF2-40B4-BE49-F238E27FC236}">
-                <a16:creationId xmlns:a16="http://schemas.microsoft.com/office/drawing/2014/main" id="{C060B0EF-F04A-4E9D-8D6B-92BB2C56EC61}"/>
-              </a:ext>
-            </a:extLst>
-          </p:cNvPr>
-          <p:cNvSpPr>
-            <a:spLocks noGrp="1"/>
-          </p:cNvSpPr>
-          <p:nvPr>
-            <p:ph type="title"/>
-          </p:nvPr>
-        </p:nvSpPr>
-        <p:spPr/>
-        <p:txBody>
-          <a:bodyPr/>
-          <a:lstStyle/>
-          <a:p>
-            <a:r>
-              <a:rPr lang="en-US" dirty="0"/>
-              <a:t>Combining Sets</a:t>
-            </a:r>
-          </a:p>
-        </p:txBody>
-      </p:sp>
-      <p:sp>
-        <p:nvSpPr>
-          <p:cNvPr id="7" name="Text Placeholder 6">
-            <a:extLst>
-              <a:ext uri="{FF2B5EF4-FFF2-40B4-BE49-F238E27FC236}">
-                <a16:creationId xmlns:a16="http://schemas.microsoft.com/office/drawing/2014/main" id="{7DD7BD59-51FF-469A-A6B7-B367E83E7343}"/>
-              </a:ext>
-            </a:extLst>
-          </p:cNvPr>
-          <p:cNvSpPr>
-            <a:spLocks noGrp="1"/>
-          </p:cNvSpPr>
-          <p:nvPr>
-            <p:ph type="body" sz="quarter" idx="11"/>
-          </p:nvPr>
-        </p:nvSpPr>
-        <p:spPr/>
-        <p:txBody>
-          <a:bodyPr/>
-          <a:lstStyle/>
-          <a:p>
-            <a:r>
-              <a:rPr lang="en-US" sz="1200" dirty="0"/>
-              <a:t>FULL OUTER JOIN</a:t>
-            </a:r>
-          </a:p>
-        </p:txBody>
-      </p:sp>
-      <p:sp>
-        <p:nvSpPr>
-          <p:cNvPr id="8" name="Slide Number Placeholder 7">
-            <a:extLst>
-              <a:ext uri="{FF2B5EF4-FFF2-40B4-BE49-F238E27FC236}">
-                <a16:creationId xmlns:a16="http://schemas.microsoft.com/office/drawing/2014/main" id="{C052E2EE-3323-46A4-BA42-F090551DDE3F}"/>
-              </a:ext>
-            </a:extLst>
-          </p:cNvPr>
-          <p:cNvSpPr>
-            <a:spLocks noGrp="1"/>
-          </p:cNvSpPr>
-          <p:nvPr>
-            <p:ph type="sldNum" sz="quarter" idx="4"/>
-          </p:nvPr>
-        </p:nvSpPr>
-        <p:spPr/>
-        <p:txBody>
-          <a:bodyPr/>
-          <a:lstStyle/>
-          <a:p>
-            <a:fld id="{3A707DD9-E92B-45E8-BE0A-E6B2EDF345EB}" type="slidenum">
-              <a:rPr lang="en-US" smtClean="0"/>
-              <a:pPr/>
-              <a:t>20</a:t>
-            </a:fld>
-            <a:endParaRPr lang="en-US" dirty="0"/>
-          </a:p>
-        </p:txBody>
-      </p:sp>
-    </p:spTree>
-    <p:extLst>
-      <p:ext uri="{BB962C8B-B14F-4D97-AF65-F5344CB8AC3E}">
-        <p14:creationId xmlns:p14="http://schemas.microsoft.com/office/powerpoint/2010/main" val="356624772"/>
-      </p:ext>
-    </p:extLst>
-  </p:cSld>
-  <p:clrMapOvr>
-    <a:masterClrMapping/>
-  </p:clrMapOvr>
-</p:sld>
-</file>
-
-<file path=ppt/slides/slide21.xml><?xml version="1.0" encoding="utf-8"?>
-<p:sld xmlns:a="http://schemas.openxmlformats.org/drawingml/2006/main" xmlns:r="http://schemas.openxmlformats.org/officeDocument/2006/relationships" xmlns:p="http://schemas.openxmlformats.org/presentationml/2006/main">
-  <p:cSld>
-    <p:spTree>
-      <p:nvGrpSpPr>
-        <p:cNvPr id="1" name=""/>
-        <p:cNvGrpSpPr/>
-        <p:nvPr/>
-      </p:nvGrpSpPr>
-      <p:grpSpPr>
-        <a:xfrm>
-          <a:off x="0" y="0"/>
-          <a:ext cx="0" cy="0"/>
-          <a:chOff x="0" y="0"/>
-          <a:chExt cx="0" cy="0"/>
-        </a:xfrm>
-      </p:grpSpPr>
-      <p:pic>
-        <p:nvPicPr>
           <p:cNvPr id="2" name="Picture 1"/>
           <p:cNvPicPr>
             <a:picLocks noChangeAspect="1"/>
@@ -29670,7 +28725,7 @@
             <a:fld id="{3A707DD9-E92B-45E8-BE0A-E6B2EDF345EB}" type="slidenum">
               <a:rPr lang="en-US" smtClean="0"/>
               <a:pPr/>
-              <a:t>21</a:t>
+              <a:t>20</a:t>
             </a:fld>
             <a:endParaRPr lang="en-US" dirty="0"/>
           </a:p>
@@ -29689,7 +28744,7 @@
 </p:sld>
 </file>
 
-<file path=ppt/slides/slide22.xml><?xml version="1.0" encoding="utf-8"?>
+<file path=ppt/slides/slide21.xml><?xml version="1.0" encoding="utf-8"?>
 <p:sld xmlns:a="http://schemas.openxmlformats.org/drawingml/2006/main" xmlns:r="http://schemas.openxmlformats.org/officeDocument/2006/relationships" xmlns:p="http://schemas.openxmlformats.org/presentationml/2006/main">
   <p:cSld>
     <p:spTree>
@@ -29787,7 +28842,7 @@
             <a:fld id="{3A707DD9-E92B-45E8-BE0A-E6B2EDF345EB}" type="slidenum">
               <a:rPr lang="en-US" smtClean="0"/>
               <a:pPr/>
-              <a:t>22</a:t>
+              <a:t>21</a:t>
             </a:fld>
             <a:endParaRPr lang="en-US" dirty="0"/>
           </a:p>
@@ -29965,7 +29020,7 @@
 </p:sld>
 </file>
 
-<file path=ppt/slides/slide23.xml><?xml version="1.0" encoding="utf-8"?>
+<file path=ppt/slides/slide22.xml><?xml version="1.0" encoding="utf-8"?>
 <p:sld xmlns:a="http://schemas.openxmlformats.org/drawingml/2006/main" xmlns:r="http://schemas.openxmlformats.org/officeDocument/2006/relationships" xmlns:p="http://schemas.openxmlformats.org/presentationml/2006/main">
   <p:cSld>
     <p:spTree>
@@ -30024,7 +29079,7 @@
 </p:sld>
 </file>
 
-<file path=ppt/slides/slide24.xml><?xml version="1.0" encoding="utf-8"?>
+<file path=ppt/slides/slide23.xml><?xml version="1.0" encoding="utf-8"?>
 <p:sld xmlns:a="http://schemas.openxmlformats.org/drawingml/2006/main" xmlns:r="http://schemas.openxmlformats.org/officeDocument/2006/relationships" xmlns:p="http://schemas.openxmlformats.org/presentationml/2006/main">
   <p:cSld>
     <p:spTree>
@@ -30099,7 +29154,7 @@
             <a:fld id="{3A707DD9-E92B-45E8-BE0A-E6B2EDF345EB}" type="slidenum">
               <a:rPr lang="en-US" smtClean="0"/>
               <a:pPr/>
-              <a:t>24</a:t>
+              <a:t>23</a:t>
             </a:fld>
             <a:endParaRPr lang="en-US" dirty="0"/>
           </a:p>
@@ -30277,7 +29332,7 @@
 </p:sld>
 </file>
 
-<file path=ppt/slides/slide25.xml><?xml version="1.0" encoding="utf-8"?>
+<file path=ppt/slides/slide24.xml><?xml version="1.0" encoding="utf-8"?>
 <p:sld xmlns:a="http://schemas.openxmlformats.org/drawingml/2006/main" xmlns:r="http://schemas.openxmlformats.org/officeDocument/2006/relationships" xmlns:p="http://schemas.openxmlformats.org/presentationml/2006/main">
   <p:cSld>
     <p:spTree>
@@ -30341,7 +29396,7 @@
 </p:sld>
 </file>
 
-<file path=ppt/slides/slide26.xml><?xml version="1.0" encoding="utf-8"?>
+<file path=ppt/slides/slide25.xml><?xml version="1.0" encoding="utf-8"?>
 <p:sld xmlns:a="http://schemas.openxmlformats.org/drawingml/2006/main" xmlns:r="http://schemas.openxmlformats.org/officeDocument/2006/relationships" xmlns:p="http://schemas.openxmlformats.org/presentationml/2006/main">
   <p:cSld>
     <p:spTree>
@@ -30416,7 +29471,7 @@
             <a:fld id="{3A707DD9-E92B-45E8-BE0A-E6B2EDF345EB}" type="slidenum">
               <a:rPr lang="en-US" smtClean="0"/>
               <a:pPr/>
-              <a:t>26</a:t>
+              <a:t>25</a:t>
             </a:fld>
             <a:endParaRPr lang="en-US" dirty="0"/>
           </a:p>
@@ -30537,9 +29592,10 @@
               <a:buSzPct val="140000"/>
             </a:pPr>
             <a:r>
-              <a:rPr lang="en-US" sz="1100" b="1" dirty="0"/>
-              <a:t>Choosing a Data Type for Keys</a:t>
-            </a:r>
+              <a:rPr lang="en-US" dirty="0"/>
+              <a:t>CASE Expression and Related Functions</a:t>
+            </a:r>
+            <a:endParaRPr lang="en-US" b="1" dirty="0"/>
           </a:p>
         </p:txBody>
       </p:sp>
@@ -30660,10 +29716,9 @@
               <a:buSzPct val="140000"/>
             </a:pPr>
             <a:r>
-              <a:rPr lang="en-US" dirty="0"/>
-              <a:t>CASE Expression and Related Functions</a:t>
-            </a:r>
-            <a:endParaRPr lang="en-US" b="1" dirty="0"/>
+              <a:rPr lang="en-US" sz="1100" b="1" dirty="0"/>
+              <a:t>Filtering and Sorting Data</a:t>
+            </a:r>
           </a:p>
         </p:txBody>
       </p:sp>
@@ -30701,7 +29756,7 @@
             </a:pPr>
             <a:r>
               <a:rPr lang="en-US" sz="1100" b="1" dirty="0"/>
-              <a:t>Filtering and Sorting Data</a:t>
+              <a:t>Combining Sets (JOINS)</a:t>
             </a:r>
           </a:p>
         </p:txBody>
@@ -30740,7 +29795,7 @@
             </a:pPr>
             <a:r>
               <a:rPr lang="en-US" sz="1100" b="1" dirty="0"/>
-              <a:t>Combining Sets (JOINS)</a:t>
+              <a:t>Working with Git</a:t>
             </a:r>
           </a:p>
         </p:txBody>
@@ -30976,433 +30031,6 @@
         <p:spPr>
           <a:xfrm>
             <a:off x="710971" y="3512135"/>
-            <a:ext cx="4418242" cy="356616"/>
-          </a:xfrm>
-          <a:prstGeom prst="rect">
-            <a:avLst/>
-          </a:prstGeom>
-          <a:ln w="19050">
-            <a:solidFill>
-              <a:srgbClr val="F5F5F5"/>
-            </a:solidFill>
-          </a:ln>
-        </p:spPr>
-        <p:txBody>
-          <a:bodyPr vert="horz" lIns="108000" tIns="0" rIns="0" bIns="0" rtlCol="0" anchor="ctr">
-            <a:noAutofit/>
-          </a:bodyPr>
-          <a:lstStyle>
-            <a:lvl1pPr marL="0" indent="0" algn="l" defTabSz="914400" rtl="0" eaLnBrk="1" latinLnBrk="0" hangingPunct="1">
-              <a:lnSpc>
-                <a:spcPts val="1600"/>
-              </a:lnSpc>
-              <a:spcBef>
-                <a:spcPts val="264"/>
-              </a:spcBef>
-              <a:spcAft>
-                <a:spcPts val="300"/>
-              </a:spcAft>
-              <a:buFont typeface="Arial" panose="020B0604020202020204" pitchFamily="34" charset="0"/>
-              <a:buNone/>
-              <a:defRPr sz="1100" b="1" i="0" kern="1200" cap="all" spc="200" baseline="0">
-                <a:solidFill>
-                  <a:schemeClr val="tx1"/>
-                </a:solidFill>
-                <a:latin typeface="+mn-lt"/>
-                <a:ea typeface="+mn-ea"/>
-                <a:cs typeface="+mn-cs"/>
-              </a:defRPr>
-            </a:lvl1pPr>
-            <a:lvl2pPr marL="628650" indent="-171450" algn="l" defTabSz="914400" rtl="0" eaLnBrk="1" latinLnBrk="0" hangingPunct="1">
-              <a:lnSpc>
-                <a:spcPct val="90000"/>
-              </a:lnSpc>
-              <a:spcBef>
-                <a:spcPts val="500"/>
-              </a:spcBef>
-              <a:buFont typeface="Arial" panose="020B0604020202020204" pitchFamily="34" charset="0"/>
-              <a:buChar char="•"/>
-              <a:defRPr sz="1100" kern="1200">
-                <a:solidFill>
-                  <a:schemeClr val="tx1"/>
-                </a:solidFill>
-                <a:latin typeface="+mn-lt"/>
-                <a:ea typeface="+mn-ea"/>
-                <a:cs typeface="+mn-cs"/>
-              </a:defRPr>
-            </a:lvl2pPr>
-            <a:lvl3pPr marL="1085850" indent="-171450" algn="l" defTabSz="914400" rtl="0" eaLnBrk="1" latinLnBrk="0" hangingPunct="1">
-              <a:lnSpc>
-                <a:spcPct val="90000"/>
-              </a:lnSpc>
-              <a:spcBef>
-                <a:spcPts val="500"/>
-              </a:spcBef>
-              <a:buFont typeface="Arial" panose="020B0604020202020204" pitchFamily="34" charset="0"/>
-              <a:buChar char="•"/>
-              <a:defRPr sz="1100" kern="1200">
-                <a:solidFill>
-                  <a:schemeClr val="tx1"/>
-                </a:solidFill>
-                <a:latin typeface="+mn-lt"/>
-                <a:ea typeface="+mn-ea"/>
-                <a:cs typeface="+mn-cs"/>
-              </a:defRPr>
-            </a:lvl3pPr>
-            <a:lvl4pPr marL="1657350" indent="-285750" algn="l" defTabSz="914400" rtl="0" eaLnBrk="1" latinLnBrk="0" hangingPunct="1">
-              <a:lnSpc>
-                <a:spcPct val="90000"/>
-              </a:lnSpc>
-              <a:spcBef>
-                <a:spcPts val="500"/>
-              </a:spcBef>
-              <a:buFont typeface="Arial" panose="020B0604020202020204" pitchFamily="34" charset="0"/>
-              <a:buChar char="•"/>
-              <a:defRPr sz="1100" kern="1200">
-                <a:solidFill>
-                  <a:schemeClr val="tx1"/>
-                </a:solidFill>
-                <a:latin typeface="+mn-lt"/>
-                <a:ea typeface="+mn-ea"/>
-                <a:cs typeface="+mn-cs"/>
-              </a:defRPr>
-            </a:lvl4pPr>
-            <a:lvl5pPr marL="2114550" indent="-285750" algn="l" defTabSz="914400" rtl="0" eaLnBrk="1" latinLnBrk="0" hangingPunct="1">
-              <a:lnSpc>
-                <a:spcPct val="90000"/>
-              </a:lnSpc>
-              <a:spcBef>
-                <a:spcPts val="500"/>
-              </a:spcBef>
-              <a:buFont typeface="Arial" panose="020B0604020202020204" pitchFamily="34" charset="0"/>
-              <a:buChar char="•"/>
-              <a:defRPr sz="1800" kern="1200">
-                <a:solidFill>
-                  <a:schemeClr val="tx1"/>
-                </a:solidFill>
-                <a:latin typeface="+mn-lt"/>
-                <a:ea typeface="+mn-ea"/>
-                <a:cs typeface="+mn-cs"/>
-              </a:defRPr>
-            </a:lvl5pPr>
-            <a:lvl6pPr marL="2514600" indent="-228600" algn="l" defTabSz="914400" rtl="0" eaLnBrk="1" latinLnBrk="0" hangingPunct="1">
-              <a:lnSpc>
-                <a:spcPct val="90000"/>
-              </a:lnSpc>
-              <a:spcBef>
-                <a:spcPts val="500"/>
-              </a:spcBef>
-              <a:buFont typeface="Arial" panose="020B0604020202020204" pitchFamily="34" charset="0"/>
-              <a:buChar char="•"/>
-              <a:defRPr sz="1800" kern="1200">
-                <a:solidFill>
-                  <a:schemeClr val="tx1"/>
-                </a:solidFill>
-                <a:latin typeface="+mn-lt"/>
-                <a:ea typeface="+mn-ea"/>
-                <a:cs typeface="+mn-cs"/>
-              </a:defRPr>
-            </a:lvl6pPr>
-            <a:lvl7pPr marL="2971800" indent="-228600" algn="l" defTabSz="914400" rtl="0" eaLnBrk="1" latinLnBrk="0" hangingPunct="1">
-              <a:lnSpc>
-                <a:spcPct val="90000"/>
-              </a:lnSpc>
-              <a:spcBef>
-                <a:spcPts val="500"/>
-              </a:spcBef>
-              <a:buFont typeface="Arial" panose="020B0604020202020204" pitchFamily="34" charset="0"/>
-              <a:buChar char="•"/>
-              <a:defRPr sz="1800" kern="1200">
-                <a:solidFill>
-                  <a:schemeClr val="tx1"/>
-                </a:solidFill>
-                <a:latin typeface="+mn-lt"/>
-                <a:ea typeface="+mn-ea"/>
-                <a:cs typeface="+mn-cs"/>
-              </a:defRPr>
-            </a:lvl7pPr>
-            <a:lvl8pPr marL="3429000" indent="-228600" algn="l" defTabSz="914400" rtl="0" eaLnBrk="1" latinLnBrk="0" hangingPunct="1">
-              <a:lnSpc>
-                <a:spcPct val="90000"/>
-              </a:lnSpc>
-              <a:spcBef>
-                <a:spcPts val="500"/>
-              </a:spcBef>
-              <a:buFont typeface="Arial" panose="020B0604020202020204" pitchFamily="34" charset="0"/>
-              <a:buChar char="•"/>
-              <a:defRPr sz="1800" kern="1200">
-                <a:solidFill>
-                  <a:schemeClr val="tx1"/>
-                </a:solidFill>
-                <a:latin typeface="+mn-lt"/>
-                <a:ea typeface="+mn-ea"/>
-                <a:cs typeface="+mn-cs"/>
-              </a:defRPr>
-            </a:lvl8pPr>
-            <a:lvl9pPr marL="3886200" indent="-228600" algn="l" defTabSz="914400" rtl="0" eaLnBrk="1" latinLnBrk="0" hangingPunct="1">
-              <a:lnSpc>
-                <a:spcPct val="90000"/>
-              </a:lnSpc>
-              <a:spcBef>
-                <a:spcPts val="500"/>
-              </a:spcBef>
-              <a:buFont typeface="Arial" panose="020B0604020202020204" pitchFamily="34" charset="0"/>
-              <a:buChar char="•"/>
-              <a:defRPr sz="1800" kern="1200">
-                <a:solidFill>
-                  <a:schemeClr val="tx1"/>
-                </a:solidFill>
-                <a:latin typeface="+mn-lt"/>
-                <a:ea typeface="+mn-ea"/>
-                <a:cs typeface="+mn-cs"/>
-              </a:defRPr>
-            </a:lvl9pPr>
-          </a:lstStyle>
-          <a:p>
-            <a:pPr>
-              <a:buClr>
-                <a:schemeClr val="bg1"/>
-              </a:buClr>
-              <a:buSzPct val="140000"/>
-            </a:pPr>
-            <a:r>
-              <a:rPr lang="en-US" sz="1100" b="1" dirty="0"/>
-              <a:t>Working with Git</a:t>
-            </a:r>
-          </a:p>
-        </p:txBody>
-      </p:sp>
-      <p:sp>
-        <p:nvSpPr>
-          <p:cNvPr id="20" name="Text Placeholder 10">
-            <a:extLst>
-              <a:ext uri="{FF2B5EF4-FFF2-40B4-BE49-F238E27FC236}">
-                <a16:creationId xmlns:a16="http://schemas.microsoft.com/office/drawing/2014/main" id="{8AA8C590-99B3-47E3-82C7-5A5BA95353EC}"/>
-              </a:ext>
-            </a:extLst>
-          </p:cNvPr>
-          <p:cNvSpPr txBox="1">
-            <a:spLocks/>
-          </p:cNvSpPr>
-          <p:nvPr/>
-        </p:nvSpPr>
-        <p:spPr>
-          <a:xfrm>
-            <a:off x="357188" y="4116428"/>
-            <a:ext cx="356616" cy="356616"/>
-          </a:xfrm>
-          <a:prstGeom prst="rect">
-            <a:avLst/>
-          </a:prstGeom>
-          <a:noFill/>
-          <a:ln w="19050" cap="flat" cmpd="sng" algn="ctr">
-            <a:solidFill>
-              <a:schemeClr val="bg2">
-                <a:lumMod val="20000"/>
-                <a:lumOff val="80000"/>
-              </a:schemeClr>
-            </a:solidFill>
-            <a:prstDash val="solid"/>
-            <a:miter lim="800000"/>
-          </a:ln>
-          <a:effectLst/>
-        </p:spPr>
-        <p:txBody>
-          <a:bodyPr vert="horz" lIns="0" tIns="0" rIns="0" bIns="0" rtlCol="0" anchor="ctr">
-            <a:normAutofit/>
-          </a:bodyPr>
-          <a:lstStyle>
-            <a:lvl1pPr marL="0" indent="0" algn="ctr" defTabSz="914400" rtl="0" eaLnBrk="1" latinLnBrk="0" hangingPunct="1">
-              <a:lnSpc>
-                <a:spcPts val="1600"/>
-              </a:lnSpc>
-              <a:spcBef>
-                <a:spcPts val="264"/>
-              </a:spcBef>
-              <a:spcAft>
-                <a:spcPts val="300"/>
-              </a:spcAft>
-              <a:buFont typeface="Arial" panose="020B0604020202020204" pitchFamily="34" charset="0"/>
-              <a:buNone/>
-              <a:defRPr sz="1400" b="1" kern="1200">
-                <a:solidFill>
-                  <a:schemeClr val="accent2"/>
-                </a:solidFill>
-                <a:latin typeface="+mj-lt"/>
-                <a:ea typeface="+mn-ea"/>
-                <a:cs typeface="+mn-cs"/>
-              </a:defRPr>
-            </a:lvl1pPr>
-            <a:lvl2pPr marL="457200" indent="0" algn="l" defTabSz="914400" rtl="0" eaLnBrk="1" latinLnBrk="0" hangingPunct="1">
-              <a:lnSpc>
-                <a:spcPct val="90000"/>
-              </a:lnSpc>
-              <a:spcBef>
-                <a:spcPts val="500"/>
-              </a:spcBef>
-              <a:buFont typeface="Arial" panose="020B0604020202020204" pitchFamily="34" charset="0"/>
-              <a:buNone/>
-              <a:defRPr sz="1100" kern="1200">
-                <a:solidFill>
-                  <a:schemeClr val="tx1"/>
-                </a:solidFill>
-                <a:latin typeface="+mj-lt"/>
-                <a:ea typeface="+mn-ea"/>
-                <a:cs typeface="+mn-cs"/>
-              </a:defRPr>
-            </a:lvl2pPr>
-            <a:lvl3pPr marL="914400" indent="0" algn="l" defTabSz="914400" rtl="0" eaLnBrk="1" latinLnBrk="0" hangingPunct="1">
-              <a:lnSpc>
-                <a:spcPct val="90000"/>
-              </a:lnSpc>
-              <a:spcBef>
-                <a:spcPts val="500"/>
-              </a:spcBef>
-              <a:buFont typeface="Arial" panose="020B0604020202020204" pitchFamily="34" charset="0"/>
-              <a:buNone/>
-              <a:defRPr sz="1100" kern="1200">
-                <a:solidFill>
-                  <a:schemeClr val="tx1"/>
-                </a:solidFill>
-                <a:latin typeface="+mj-lt"/>
-                <a:ea typeface="+mn-ea"/>
-                <a:cs typeface="+mn-cs"/>
-              </a:defRPr>
-            </a:lvl3pPr>
-            <a:lvl4pPr marL="1371600" indent="0" algn="l" defTabSz="914400" rtl="0" eaLnBrk="1" latinLnBrk="0" hangingPunct="1">
-              <a:lnSpc>
-                <a:spcPct val="90000"/>
-              </a:lnSpc>
-              <a:spcBef>
-                <a:spcPts val="500"/>
-              </a:spcBef>
-              <a:buFont typeface="Arial" panose="020B0604020202020204" pitchFamily="34" charset="0"/>
-              <a:buNone/>
-              <a:defRPr sz="1100" kern="1200">
-                <a:solidFill>
-                  <a:schemeClr val="tx1"/>
-                </a:solidFill>
-                <a:latin typeface="+mj-lt"/>
-                <a:ea typeface="+mn-ea"/>
-                <a:cs typeface="+mn-cs"/>
-              </a:defRPr>
-            </a:lvl4pPr>
-            <a:lvl5pPr marL="1828800" indent="0" algn="l" defTabSz="914400" rtl="0" eaLnBrk="1" latinLnBrk="0" hangingPunct="1">
-              <a:lnSpc>
-                <a:spcPct val="90000"/>
-              </a:lnSpc>
-              <a:spcBef>
-                <a:spcPts val="500"/>
-              </a:spcBef>
-              <a:buFont typeface="Arial" panose="020B0604020202020204" pitchFamily="34" charset="0"/>
-              <a:buNone/>
-              <a:defRPr sz="1800" kern="1200">
-                <a:solidFill>
-                  <a:schemeClr val="tx1"/>
-                </a:solidFill>
-                <a:latin typeface="+mj-lt"/>
-                <a:ea typeface="+mn-ea"/>
-                <a:cs typeface="+mn-cs"/>
-              </a:defRPr>
-            </a:lvl5pPr>
-            <a:lvl6pPr marL="2514600" indent="-228600" algn="l" defTabSz="914400" rtl="0" eaLnBrk="1" latinLnBrk="0" hangingPunct="1">
-              <a:lnSpc>
-                <a:spcPct val="90000"/>
-              </a:lnSpc>
-              <a:spcBef>
-                <a:spcPts val="500"/>
-              </a:spcBef>
-              <a:buFont typeface="Arial" panose="020B0604020202020204" pitchFamily="34" charset="0"/>
-              <a:buChar char="•"/>
-              <a:defRPr sz="1800" kern="1200">
-                <a:solidFill>
-                  <a:schemeClr val="tx1"/>
-                </a:solidFill>
-                <a:latin typeface="+mn-lt"/>
-                <a:ea typeface="+mn-ea"/>
-                <a:cs typeface="+mn-cs"/>
-              </a:defRPr>
-            </a:lvl6pPr>
-            <a:lvl7pPr marL="2971800" indent="-228600" algn="l" defTabSz="914400" rtl="0" eaLnBrk="1" latinLnBrk="0" hangingPunct="1">
-              <a:lnSpc>
-                <a:spcPct val="90000"/>
-              </a:lnSpc>
-              <a:spcBef>
-                <a:spcPts val="500"/>
-              </a:spcBef>
-              <a:buFont typeface="Arial" panose="020B0604020202020204" pitchFamily="34" charset="0"/>
-              <a:buChar char="•"/>
-              <a:defRPr sz="1800" kern="1200">
-                <a:solidFill>
-                  <a:schemeClr val="tx1"/>
-                </a:solidFill>
-                <a:latin typeface="+mn-lt"/>
-                <a:ea typeface="+mn-ea"/>
-                <a:cs typeface="+mn-cs"/>
-              </a:defRPr>
-            </a:lvl7pPr>
-            <a:lvl8pPr marL="3429000" indent="-228600" algn="l" defTabSz="914400" rtl="0" eaLnBrk="1" latinLnBrk="0" hangingPunct="1">
-              <a:lnSpc>
-                <a:spcPct val="90000"/>
-              </a:lnSpc>
-              <a:spcBef>
-                <a:spcPts val="500"/>
-              </a:spcBef>
-              <a:buFont typeface="Arial" panose="020B0604020202020204" pitchFamily="34" charset="0"/>
-              <a:buChar char="•"/>
-              <a:defRPr sz="1800" kern="1200">
-                <a:solidFill>
-                  <a:schemeClr val="tx1"/>
-                </a:solidFill>
-                <a:latin typeface="+mn-lt"/>
-                <a:ea typeface="+mn-ea"/>
-                <a:cs typeface="+mn-cs"/>
-              </a:defRPr>
-            </a:lvl8pPr>
-            <a:lvl9pPr marL="3886200" indent="-228600" algn="l" defTabSz="914400" rtl="0" eaLnBrk="1" latinLnBrk="0" hangingPunct="1">
-              <a:lnSpc>
-                <a:spcPct val="90000"/>
-              </a:lnSpc>
-              <a:spcBef>
-                <a:spcPts val="500"/>
-              </a:spcBef>
-              <a:buFont typeface="Arial" panose="020B0604020202020204" pitchFamily="34" charset="0"/>
-              <a:buChar char="•"/>
-              <a:defRPr sz="1800" kern="1200">
-                <a:solidFill>
-                  <a:schemeClr val="tx1"/>
-                </a:solidFill>
-                <a:latin typeface="+mn-lt"/>
-                <a:ea typeface="+mn-ea"/>
-                <a:cs typeface="+mn-cs"/>
-              </a:defRPr>
-            </a:lvl9pPr>
-          </a:lstStyle>
-          <a:p>
-            <a:r>
-              <a:rPr lang="en-US" dirty="0"/>
-              <a:t>6</a:t>
-            </a:r>
-          </a:p>
-        </p:txBody>
-      </p:sp>
-      <p:sp>
-        <p:nvSpPr>
-          <p:cNvPr id="21" name="Text Placeholder 18">
-            <a:extLst>
-              <a:ext uri="{FF2B5EF4-FFF2-40B4-BE49-F238E27FC236}">
-                <a16:creationId xmlns:a16="http://schemas.microsoft.com/office/drawing/2014/main" id="{597CA06F-4720-4EA5-A451-A790FA226A7F}"/>
-              </a:ext>
-            </a:extLst>
-          </p:cNvPr>
-          <p:cNvSpPr txBox="1">
-            <a:spLocks/>
-          </p:cNvSpPr>
-          <p:nvPr/>
-        </p:nvSpPr>
-        <p:spPr>
-          <a:xfrm>
-            <a:off x="710971" y="4115192"/>
             <a:ext cx="4418242" cy="356616"/>
           </a:xfrm>
           <a:prstGeom prst="rect">
@@ -31759,311 +30387,6 @@
           <p:cNvPr id="2" name="Title 1">
             <a:extLst>
               <a:ext uri="{FF2B5EF4-FFF2-40B4-BE49-F238E27FC236}">
-                <a16:creationId xmlns:a16="http://schemas.microsoft.com/office/drawing/2014/main" id="{A9E87495-217D-4FB5-897C-90E9F7174263}"/>
-              </a:ext>
-            </a:extLst>
-          </p:cNvPr>
-          <p:cNvSpPr>
-            <a:spLocks noGrp="1"/>
-          </p:cNvSpPr>
-          <p:nvPr>
-            <p:ph type="title"/>
-          </p:nvPr>
-        </p:nvSpPr>
-        <p:spPr/>
-        <p:txBody>
-          <a:bodyPr/>
-          <a:lstStyle/>
-          <a:p>
-            <a:r>
-              <a:rPr lang="en-US" sz="1600" b="1" dirty="0"/>
-              <a:t>Choosing a Data Type for Keys</a:t>
-            </a:r>
-            <a:endParaRPr lang="en-US" dirty="0"/>
-          </a:p>
-        </p:txBody>
-      </p:sp>
-    </p:spTree>
-    <p:extLst>
-      <p:ext uri="{BB962C8B-B14F-4D97-AF65-F5344CB8AC3E}">
-        <p14:creationId xmlns:p14="http://schemas.microsoft.com/office/powerpoint/2010/main" val="4127274761"/>
-      </p:ext>
-    </p:extLst>
-  </p:cSld>
-  <p:clrMapOvr>
-    <a:masterClrMapping/>
-  </p:clrMapOvr>
-</p:sld>
-</file>
-
-<file path=ppt/slides/slide5.xml><?xml version="1.0" encoding="utf-8"?>
-<p:sld xmlns:a="http://schemas.openxmlformats.org/drawingml/2006/main" xmlns:r="http://schemas.openxmlformats.org/officeDocument/2006/relationships" xmlns:p="http://schemas.openxmlformats.org/presentationml/2006/main">
-  <p:cSld>
-    <p:spTree>
-      <p:nvGrpSpPr>
-        <p:cNvPr id="1" name=""/>
-        <p:cNvGrpSpPr/>
-        <p:nvPr/>
-      </p:nvGrpSpPr>
-      <p:grpSpPr>
-        <a:xfrm>
-          <a:off x="0" y="0"/>
-          <a:ext cx="0" cy="0"/>
-          <a:chOff x="0" y="0"/>
-          <a:chExt cx="0" cy="0"/>
-        </a:xfrm>
-      </p:grpSpPr>
-      <p:sp>
-        <p:nvSpPr>
-          <p:cNvPr id="4" name="Title 3">
-            <a:extLst>
-              <a:ext uri="{FF2B5EF4-FFF2-40B4-BE49-F238E27FC236}">
-                <a16:creationId xmlns:a16="http://schemas.microsoft.com/office/drawing/2014/main" id="{BA2E1A2C-05AA-4EC3-BE65-158F3B65C3F1}"/>
-              </a:ext>
-            </a:extLst>
-          </p:cNvPr>
-          <p:cNvSpPr>
-            <a:spLocks noGrp="1"/>
-          </p:cNvSpPr>
-          <p:nvPr>
-            <p:ph type="title"/>
-          </p:nvPr>
-        </p:nvSpPr>
-        <p:spPr/>
-        <p:txBody>
-          <a:bodyPr/>
-          <a:lstStyle/>
-          <a:p>
-            <a:r>
-              <a:rPr lang="en-US" dirty="0"/>
-              <a:t>Choosing a Data Type for Keys</a:t>
-            </a:r>
-          </a:p>
-        </p:txBody>
-      </p:sp>
-      <p:sp>
-        <p:nvSpPr>
-          <p:cNvPr id="5" name="Content Placeholder 4">
-            <a:extLst>
-              <a:ext uri="{FF2B5EF4-FFF2-40B4-BE49-F238E27FC236}">
-                <a16:creationId xmlns:a16="http://schemas.microsoft.com/office/drawing/2014/main" id="{56D067BC-222B-4DB3-99B1-3B3AC87C1049}"/>
-              </a:ext>
-            </a:extLst>
-          </p:cNvPr>
-          <p:cNvSpPr>
-            <a:spLocks noGrp="1"/>
-          </p:cNvSpPr>
-          <p:nvPr>
-            <p:ph sz="quarter" idx="10"/>
-          </p:nvPr>
-        </p:nvSpPr>
-        <p:spPr/>
-        <p:txBody>
-          <a:bodyPr/>
-          <a:lstStyle/>
-          <a:p>
-            <a:pPr marL="173736" lvl="2" indent="-173736">
-              <a:lnSpc>
-                <a:spcPct val="110000"/>
-              </a:lnSpc>
-              <a:spcBef>
-                <a:spcPts val="0"/>
-              </a:spcBef>
-              <a:spcAft>
-                <a:spcPts val="1300"/>
-              </a:spcAft>
-              <a:buClr>
-                <a:srgbClr val="2FC2D9"/>
-              </a:buClr>
-              <a:defRPr/>
-            </a:pPr>
-            <a:r>
-              <a:rPr lang="en-US" sz="1600" dirty="0"/>
-              <a:t>The identity column property</a:t>
-            </a:r>
-          </a:p>
-          <a:p>
-            <a:pPr marL="173736" lvl="2" indent="-173736">
-              <a:lnSpc>
-                <a:spcPct val="110000"/>
-              </a:lnSpc>
-              <a:spcBef>
-                <a:spcPts val="0"/>
-              </a:spcBef>
-              <a:spcAft>
-                <a:spcPts val="1300"/>
-              </a:spcAft>
-              <a:buClr>
-                <a:srgbClr val="2FC2D9"/>
-              </a:buClr>
-              <a:defRPr/>
-            </a:pPr>
-            <a:r>
-              <a:rPr lang="en-US" sz="1600" dirty="0"/>
-              <a:t>The sequence object</a:t>
-            </a:r>
-          </a:p>
-          <a:p>
-            <a:pPr marL="173736" lvl="2" indent="-173736">
-              <a:lnSpc>
-                <a:spcPct val="110000"/>
-              </a:lnSpc>
-              <a:spcBef>
-                <a:spcPts val="0"/>
-              </a:spcBef>
-              <a:spcAft>
-                <a:spcPts val="1300"/>
-              </a:spcAft>
-              <a:buClr>
-                <a:srgbClr val="2FC2D9"/>
-              </a:buClr>
-              <a:defRPr/>
-            </a:pPr>
-            <a:r>
-              <a:rPr lang="en-US" sz="1600" dirty="0"/>
-              <a:t>Nonsequential GUIDs</a:t>
-            </a:r>
-          </a:p>
-          <a:p>
-            <a:pPr marL="173736" lvl="2" indent="-173736">
-              <a:lnSpc>
-                <a:spcPct val="110000"/>
-              </a:lnSpc>
-              <a:spcBef>
-                <a:spcPts val="0"/>
-              </a:spcBef>
-              <a:spcAft>
-                <a:spcPts val="1300"/>
-              </a:spcAft>
-              <a:buClr>
-                <a:srgbClr val="2FC2D9"/>
-              </a:buClr>
-              <a:defRPr/>
-            </a:pPr>
-            <a:r>
-              <a:rPr lang="en-US" sz="1600" dirty="0"/>
-              <a:t>Sequential GUIDs</a:t>
-            </a:r>
-          </a:p>
-          <a:p>
-            <a:pPr marL="173736" lvl="2" indent="-173736">
-              <a:lnSpc>
-                <a:spcPct val="110000"/>
-              </a:lnSpc>
-              <a:spcBef>
-                <a:spcPts val="0"/>
-              </a:spcBef>
-              <a:spcAft>
-                <a:spcPts val="1300"/>
-              </a:spcAft>
-              <a:buClr>
-                <a:srgbClr val="2FC2D9"/>
-              </a:buClr>
-              <a:defRPr/>
-            </a:pPr>
-            <a:r>
-              <a:rPr lang="en-US" sz="1600" dirty="0"/>
-              <a:t>Custom solutions</a:t>
-            </a:r>
-          </a:p>
-          <a:p>
-            <a:endParaRPr lang="en-US" dirty="0"/>
-          </a:p>
-        </p:txBody>
-      </p:sp>
-      <p:sp>
-        <p:nvSpPr>
-          <p:cNvPr id="6" name="Text Placeholder 5">
-            <a:extLst>
-              <a:ext uri="{FF2B5EF4-FFF2-40B4-BE49-F238E27FC236}">
-                <a16:creationId xmlns:a16="http://schemas.microsoft.com/office/drawing/2014/main" id="{2C880E56-7DC9-4DD0-9DD2-43D4735D9FAB}"/>
-              </a:ext>
-            </a:extLst>
-          </p:cNvPr>
-          <p:cNvSpPr>
-            <a:spLocks noGrp="1"/>
-          </p:cNvSpPr>
-          <p:nvPr>
-            <p:ph type="body" sz="quarter" idx="11"/>
-          </p:nvPr>
-        </p:nvSpPr>
-        <p:spPr/>
-        <p:txBody>
-          <a:bodyPr/>
-          <a:lstStyle/>
-          <a:p>
-            <a:r>
-              <a:rPr lang="en-US" b="1" dirty="0"/>
-              <a:t>Choosing a Data Type for Keys</a:t>
-            </a:r>
-          </a:p>
-        </p:txBody>
-      </p:sp>
-      <p:sp>
-        <p:nvSpPr>
-          <p:cNvPr id="7" name="Slide Number Placeholder 6">
-            <a:extLst>
-              <a:ext uri="{FF2B5EF4-FFF2-40B4-BE49-F238E27FC236}">
-                <a16:creationId xmlns:a16="http://schemas.microsoft.com/office/drawing/2014/main" id="{F4FB8A51-5A75-4E4B-A1A4-BC229D1D13EB}"/>
-              </a:ext>
-            </a:extLst>
-          </p:cNvPr>
-          <p:cNvSpPr>
-            <a:spLocks noGrp="1"/>
-          </p:cNvSpPr>
-          <p:nvPr>
-            <p:ph type="sldNum" sz="quarter" idx="4"/>
-          </p:nvPr>
-        </p:nvSpPr>
-        <p:spPr/>
-        <p:txBody>
-          <a:bodyPr/>
-          <a:lstStyle/>
-          <a:p>
-            <a:fld id="{3A707DD9-E92B-45E8-BE0A-E6B2EDF345EB}" type="slidenum">
-              <a:rPr lang="en-US" smtClean="0"/>
-              <a:pPr/>
-              <a:t>5</a:t>
-            </a:fld>
-            <a:endParaRPr lang="en-US" dirty="0"/>
-          </a:p>
-        </p:txBody>
-      </p:sp>
-    </p:spTree>
-    <p:extLst>
-      <p:ext uri="{BB962C8B-B14F-4D97-AF65-F5344CB8AC3E}">
-        <p14:creationId xmlns:p14="http://schemas.microsoft.com/office/powerpoint/2010/main" val="615308319"/>
-      </p:ext>
-    </p:extLst>
-  </p:cSld>
-  <p:clrMapOvr>
-    <a:masterClrMapping/>
-  </p:clrMapOvr>
-</p:sld>
-</file>
-
-<file path=ppt/slides/slide6.xml><?xml version="1.0" encoding="utf-8"?>
-<p:sld xmlns:a="http://schemas.openxmlformats.org/drawingml/2006/main" xmlns:r="http://schemas.openxmlformats.org/officeDocument/2006/relationships" xmlns:p="http://schemas.openxmlformats.org/presentationml/2006/main">
-  <p:cSld>
-    <p:spTree>
-      <p:nvGrpSpPr>
-        <p:cNvPr id="1" name=""/>
-        <p:cNvGrpSpPr/>
-        <p:nvPr/>
-      </p:nvGrpSpPr>
-      <p:grpSpPr>
-        <a:xfrm>
-          <a:off x="0" y="0"/>
-          <a:ext cx="0" cy="0"/>
-          <a:chOff x="0" y="0"/>
-          <a:chExt cx="0" cy="0"/>
-        </a:xfrm>
-      </p:grpSpPr>
-      <p:sp>
-        <p:nvSpPr>
-          <p:cNvPr id="2" name="Title 1">
-            <a:extLst>
-              <a:ext uri="{FF2B5EF4-FFF2-40B4-BE49-F238E27FC236}">
                 <a16:creationId xmlns:a16="http://schemas.microsoft.com/office/drawing/2014/main" id="{6FA3A657-98C0-40D9-8A8B-A54821D44DDF}"/>
               </a:ext>
             </a:extLst>
@@ -32100,7 +30423,7 @@
 </p:sld>
 </file>
 
-<file path=ppt/slides/slide7.xml><?xml version="1.0" encoding="utf-8"?>
+<file path=ppt/slides/slide5.xml><?xml version="1.0" encoding="utf-8"?>
 <p:sld xmlns:a="http://schemas.openxmlformats.org/drawingml/2006/main" xmlns:r="http://schemas.openxmlformats.org/officeDocument/2006/relationships" xmlns:p="http://schemas.openxmlformats.org/presentationml/2006/main">
   <p:cSld>
     <p:spTree>
@@ -32715,7 +31038,7 @@
             <a:fld id="{3A707DD9-E92B-45E8-BE0A-E6B2EDF345EB}" type="slidenum">
               <a:rPr lang="en-US" smtClean="0"/>
               <a:pPr/>
-              <a:t>7</a:t>
+              <a:t>5</a:t>
             </a:fld>
             <a:endParaRPr lang="en-US" dirty="0"/>
           </a:p>
@@ -32734,7 +31057,254 @@
 </p:sld>
 </file>
 
-<file path=ppt/slides/slide8.xml><?xml version="1.0" encoding="utf-8"?>
+<file path=ppt/slides/slide6.xml><?xml version="1.0" encoding="utf-8"?>
+<p:sld xmlns:a="http://schemas.openxmlformats.org/drawingml/2006/main" xmlns:r="http://schemas.openxmlformats.org/officeDocument/2006/relationships" xmlns:p="http://schemas.openxmlformats.org/presentationml/2006/main">
+  <p:cSld>
+    <p:spTree>
+      <p:nvGrpSpPr>
+        <p:cNvPr id="1" name=""/>
+        <p:cNvGrpSpPr/>
+        <p:nvPr/>
+      </p:nvGrpSpPr>
+      <p:grpSpPr>
+        <a:xfrm>
+          <a:off x="0" y="0"/>
+          <a:ext cx="0" cy="0"/>
+          <a:chOff x="0" y="0"/>
+          <a:chExt cx="0" cy="0"/>
+        </a:xfrm>
+      </p:grpSpPr>
+      <p:sp>
+        <p:nvSpPr>
+          <p:cNvPr id="2" name="Title 1">
+            <a:extLst>
+              <a:ext uri="{FF2B5EF4-FFF2-40B4-BE49-F238E27FC236}">
+                <a16:creationId xmlns:a16="http://schemas.microsoft.com/office/drawing/2014/main" id="{E7CF6A60-AD43-4341-BBA2-91E41B802302}"/>
+              </a:ext>
+            </a:extLst>
+          </p:cNvPr>
+          <p:cNvSpPr>
+            <a:spLocks noGrp="1"/>
+          </p:cNvSpPr>
+          <p:nvPr>
+            <p:ph type="title"/>
+          </p:nvPr>
+        </p:nvSpPr>
+        <p:spPr/>
+        <p:txBody>
+          <a:bodyPr/>
+          <a:lstStyle/>
+          <a:p>
+            <a:r>
+              <a:rPr lang="en-US" dirty="0"/>
+              <a:t>CASE Expression and Related Functions</a:t>
+            </a:r>
+          </a:p>
+        </p:txBody>
+      </p:sp>
+      <p:sp>
+        <p:nvSpPr>
+          <p:cNvPr id="5" name="Slide Number Placeholder 4">
+            <a:extLst>
+              <a:ext uri="{FF2B5EF4-FFF2-40B4-BE49-F238E27FC236}">
+                <a16:creationId xmlns:a16="http://schemas.microsoft.com/office/drawing/2014/main" id="{15F5D176-DDB7-44E3-841D-F7D5157A6F67}"/>
+              </a:ext>
+            </a:extLst>
+          </p:cNvPr>
+          <p:cNvSpPr>
+            <a:spLocks noGrp="1"/>
+          </p:cNvSpPr>
+          <p:nvPr>
+            <p:ph type="sldNum" sz="quarter" idx="4"/>
+          </p:nvPr>
+        </p:nvSpPr>
+        <p:spPr/>
+        <p:txBody>
+          <a:bodyPr/>
+          <a:lstStyle/>
+          <a:p>
+            <a:fld id="{3A707DD9-E92B-45E8-BE0A-E6B2EDF345EB}" type="slidenum">
+              <a:rPr lang="en-US" smtClean="0"/>
+              <a:pPr/>
+              <a:t>6</a:t>
+            </a:fld>
+            <a:endParaRPr lang="en-US" dirty="0"/>
+          </a:p>
+        </p:txBody>
+      </p:sp>
+      <p:grpSp>
+        <p:nvGrpSpPr>
+          <p:cNvPr id="6" name="Group 5">
+            <a:extLst>
+              <a:ext uri="{FF2B5EF4-FFF2-40B4-BE49-F238E27FC236}">
+                <a16:creationId xmlns:a16="http://schemas.microsoft.com/office/drawing/2014/main" id="{740811BF-46D1-4D97-B1BD-05AE831A5539}"/>
+              </a:ext>
+            </a:extLst>
+          </p:cNvPr>
+          <p:cNvGrpSpPr/>
+          <p:nvPr/>
+        </p:nvGrpSpPr>
+        <p:grpSpPr>
+          <a:xfrm>
+            <a:off x="3323326" y="1800997"/>
+            <a:ext cx="1950959" cy="1920104"/>
+            <a:chOff x="6855594" y="4322405"/>
+            <a:chExt cx="1950959" cy="1920104"/>
+          </a:xfrm>
+        </p:grpSpPr>
+        <p:sp>
+          <p:nvSpPr>
+            <p:cNvPr id="7" name="Oval 6">
+              <a:extLst>
+                <a:ext uri="{FF2B5EF4-FFF2-40B4-BE49-F238E27FC236}">
+                  <a16:creationId xmlns:a16="http://schemas.microsoft.com/office/drawing/2014/main" id="{F6D0F2E9-9BA6-4011-B39B-DEE9370D24EC}"/>
+                </a:ext>
+              </a:extLst>
+            </p:cNvPr>
+            <p:cNvSpPr/>
+            <p:nvPr/>
+          </p:nvSpPr>
+          <p:spPr>
+            <a:xfrm>
+              <a:off x="6855594" y="4322405"/>
+              <a:ext cx="1920106" cy="1920104"/>
+            </a:xfrm>
+            <a:prstGeom prst="ellipse">
+              <a:avLst/>
+            </a:prstGeom>
+            <a:solidFill>
+              <a:schemeClr val="accent4"/>
+            </a:solidFill>
+            <a:ln>
+              <a:noFill/>
+            </a:ln>
+            <a:effectLst/>
+          </p:spPr>
+          <p:style>
+            <a:lnRef idx="1">
+              <a:schemeClr val="accent1"/>
+            </a:lnRef>
+            <a:fillRef idx="3">
+              <a:schemeClr val="accent1"/>
+            </a:fillRef>
+            <a:effectRef idx="2">
+              <a:schemeClr val="accent1"/>
+            </a:effectRef>
+            <a:fontRef idx="minor">
+              <a:schemeClr val="lt1"/>
+            </a:fontRef>
+          </p:style>
+          <p:txBody>
+            <a:bodyPr rtlCol="0" anchor="ctr"/>
+            <a:lstStyle/>
+            <a:p>
+              <a:pPr algn="ctr"/>
+              <a:endParaRPr lang="en-US"/>
+            </a:p>
+          </p:txBody>
+        </p:sp>
+        <p:sp>
+          <p:nvSpPr>
+            <p:cNvPr id="8" name="TextBox 7">
+              <a:extLst>
+                <a:ext uri="{FF2B5EF4-FFF2-40B4-BE49-F238E27FC236}">
+                  <a16:creationId xmlns:a16="http://schemas.microsoft.com/office/drawing/2014/main" id="{892CC424-6136-49C6-A3F0-B6FC57487DE7}"/>
+                </a:ext>
+              </a:extLst>
+            </p:cNvPr>
+            <p:cNvSpPr txBox="1"/>
+            <p:nvPr/>
+          </p:nvSpPr>
+          <p:spPr>
+            <a:xfrm>
+              <a:off x="6855594" y="4998566"/>
+              <a:ext cx="1950959" cy="1147198"/>
+            </a:xfrm>
+            <a:prstGeom prst="rect">
+              <a:avLst/>
+            </a:prstGeom>
+            <a:noFill/>
+          </p:spPr>
+          <p:txBody>
+            <a:bodyPr wrap="none" rtlCol="0">
+              <a:noAutofit/>
+            </a:bodyPr>
+            <a:lstStyle/>
+            <a:p>
+              <a:pPr algn="ctr"/>
+              <a:r>
+                <a:rPr lang="en-US" sz="3200" b="1" dirty="0">
+                  <a:solidFill>
+                    <a:srgbClr val="FFFFFF"/>
+                  </a:solidFill>
+                  <a:latin typeface="Arial Black"/>
+                  <a:cs typeface="Arial Black"/>
+                </a:rPr>
+                <a:t>DEMO</a:t>
+              </a:r>
+            </a:p>
+            <a:p>
+              <a:pPr algn="ctr">
+                <a:lnSpc>
+                  <a:spcPct val="130000"/>
+                </a:lnSpc>
+              </a:pPr>
+              <a:r>
+                <a:rPr lang="en-US" sz="1100" dirty="0">
+                  <a:solidFill>
+                    <a:srgbClr val="FFFFFF"/>
+                  </a:solidFill>
+                  <a:latin typeface="Arial Black"/>
+                  <a:cs typeface="Arial Black"/>
+                </a:rPr>
+                <a:t> </a:t>
+              </a:r>
+            </a:p>
+            <a:p>
+              <a:pPr algn="ctr"/>
+              <a:br>
+                <a:rPr lang="en-US" sz="800" dirty="0">
+                  <a:solidFill>
+                    <a:srgbClr val="FFFFFF"/>
+                  </a:solidFill>
+                  <a:latin typeface="Arial"/>
+                  <a:cs typeface="Arial"/>
+                </a:rPr>
+              </a:br>
+              <a:br>
+                <a:rPr lang="en-US" sz="800" dirty="0">
+                  <a:solidFill>
+                    <a:srgbClr val="FFFFFF"/>
+                  </a:solidFill>
+                  <a:latin typeface="Arial"/>
+                  <a:cs typeface="Arial"/>
+                </a:rPr>
+              </a:br>
+              <a:endParaRPr lang="en-US" sz="800" dirty="0">
+                <a:solidFill>
+                  <a:srgbClr val="FFFFFF"/>
+                </a:solidFill>
+                <a:latin typeface="Arial"/>
+                <a:cs typeface="Arial"/>
+              </a:endParaRPr>
+            </a:p>
+          </p:txBody>
+        </p:sp>
+      </p:grpSp>
+    </p:spTree>
+    <p:extLst>
+      <p:ext uri="{BB962C8B-B14F-4D97-AF65-F5344CB8AC3E}">
+        <p14:creationId xmlns:p14="http://schemas.microsoft.com/office/powerpoint/2010/main" val="1406484852"/>
+      </p:ext>
+    </p:extLst>
+  </p:cSld>
+  <p:clrMapOvr>
+    <a:masterClrMapping/>
+  </p:clrMapOvr>
+</p:sld>
+</file>
+
+<file path=ppt/slides/slide7.xml><?xml version="1.0" encoding="utf-8"?>
 <p:sld xmlns:a="http://schemas.openxmlformats.org/drawingml/2006/main" xmlns:r="http://schemas.openxmlformats.org/officeDocument/2006/relationships" xmlns:p="http://schemas.openxmlformats.org/presentationml/2006/main">
   <p:cSld>
     <p:spTree>
@@ -32793,7 +31363,7 @@
 </p:sld>
 </file>
 
-<file path=ppt/slides/slide9.xml><?xml version="1.0" encoding="utf-8"?>
+<file path=ppt/slides/slide8.xml><?xml version="1.0" encoding="utf-8"?>
 <p:sld xmlns:a="http://schemas.openxmlformats.org/drawingml/2006/main" xmlns:r="http://schemas.openxmlformats.org/officeDocument/2006/relationships" xmlns:p="http://schemas.openxmlformats.org/presentationml/2006/main">
   <p:cSld>
     <p:spTree>
@@ -33161,7 +31731,7 @@
             <a:fld id="{3A707DD9-E92B-45E8-BE0A-E6B2EDF345EB}" type="slidenum">
               <a:rPr lang="en-US" smtClean="0"/>
               <a:pPr/>
-              <a:t>9</a:t>
+              <a:t>8</a:t>
             </a:fld>
             <a:endParaRPr lang="en-US" dirty="0"/>
           </a:p>
@@ -33268,6 +31838,865 @@
     <p:extLst>
       <p:ext uri="{BB962C8B-B14F-4D97-AF65-F5344CB8AC3E}">
         <p14:creationId xmlns:p14="http://schemas.microsoft.com/office/powerpoint/2010/main" val="2231951181"/>
+      </p:ext>
+    </p:extLst>
+  </p:cSld>
+  <p:clrMapOvr>
+    <a:masterClrMapping/>
+  </p:clrMapOvr>
+</p:sld>
+</file>
+
+<file path=ppt/slides/slide9.xml><?xml version="1.0" encoding="utf-8"?>
+<p:sld xmlns:a="http://schemas.openxmlformats.org/drawingml/2006/main" xmlns:r="http://schemas.openxmlformats.org/officeDocument/2006/relationships" xmlns:p="http://schemas.openxmlformats.org/presentationml/2006/main">
+  <p:cSld>
+    <p:spTree>
+      <p:nvGrpSpPr>
+        <p:cNvPr id="1" name=""/>
+        <p:cNvGrpSpPr/>
+        <p:nvPr/>
+      </p:nvGrpSpPr>
+      <p:grpSpPr>
+        <a:xfrm>
+          <a:off x="0" y="0"/>
+          <a:ext cx="0" cy="0"/>
+          <a:chOff x="0" y="0"/>
+          <a:chExt cx="0" cy="0"/>
+        </a:xfrm>
+      </p:grpSpPr>
+      <p:sp>
+        <p:nvSpPr>
+          <p:cNvPr id="12" name="Content Placeholder 2"/>
+          <p:cNvSpPr txBox="1">
+            <a:spLocks/>
+          </p:cNvSpPr>
+          <p:nvPr/>
+        </p:nvSpPr>
+        <p:spPr>
+          <a:xfrm>
+            <a:off x="357188" y="1626928"/>
+            <a:ext cx="2950818" cy="3287972"/>
+          </a:xfrm>
+          <a:prstGeom prst="rect">
+            <a:avLst/>
+          </a:prstGeom>
+        </p:spPr>
+        <p:txBody>
+          <a:bodyPr/>
+          <a:lstStyle>
+            <a:lvl1pPr marL="257175" indent="-257175" algn="l" defTabSz="342900" rtl="0" eaLnBrk="1" latinLnBrk="0" hangingPunct="1">
+              <a:spcBef>
+                <a:spcPct val="20000"/>
+              </a:spcBef>
+              <a:buFont typeface="Arial"/>
+              <a:buChar char="•"/>
+              <a:defRPr sz="2400" kern="1200">
+                <a:solidFill>
+                  <a:schemeClr val="tx1"/>
+                </a:solidFill>
+                <a:latin typeface="+mn-lt"/>
+                <a:ea typeface="+mn-ea"/>
+                <a:cs typeface="+mn-cs"/>
+              </a:defRPr>
+            </a:lvl1pPr>
+            <a:lvl2pPr marL="557213" indent="-214313" algn="l" defTabSz="342900" rtl="0" eaLnBrk="1" latinLnBrk="0" hangingPunct="1">
+              <a:spcBef>
+                <a:spcPct val="20000"/>
+              </a:spcBef>
+              <a:buFont typeface="Arial"/>
+              <a:buChar char="–"/>
+              <a:defRPr sz="2100" kern="1200">
+                <a:solidFill>
+                  <a:schemeClr val="tx1"/>
+                </a:solidFill>
+                <a:latin typeface="+mn-lt"/>
+                <a:ea typeface="+mn-ea"/>
+                <a:cs typeface="+mn-cs"/>
+              </a:defRPr>
+            </a:lvl2pPr>
+            <a:lvl3pPr marL="857250" indent="-171450" algn="l" defTabSz="342900" rtl="0" eaLnBrk="1" latinLnBrk="0" hangingPunct="1">
+              <a:spcBef>
+                <a:spcPct val="20000"/>
+              </a:spcBef>
+              <a:buFont typeface="Arial"/>
+              <a:buChar char="•"/>
+              <a:defRPr sz="1800" kern="1200">
+                <a:solidFill>
+                  <a:schemeClr val="tx1"/>
+                </a:solidFill>
+                <a:latin typeface="+mn-lt"/>
+                <a:ea typeface="+mn-ea"/>
+                <a:cs typeface="+mn-cs"/>
+              </a:defRPr>
+            </a:lvl3pPr>
+            <a:lvl4pPr marL="1200150" indent="-171450" algn="l" defTabSz="342900" rtl="0" eaLnBrk="1" latinLnBrk="0" hangingPunct="1">
+              <a:spcBef>
+                <a:spcPct val="20000"/>
+              </a:spcBef>
+              <a:buFont typeface="Arial"/>
+              <a:buChar char="–"/>
+              <a:defRPr sz="1500" kern="1200">
+                <a:solidFill>
+                  <a:schemeClr val="tx1"/>
+                </a:solidFill>
+                <a:latin typeface="+mn-lt"/>
+                <a:ea typeface="+mn-ea"/>
+                <a:cs typeface="+mn-cs"/>
+              </a:defRPr>
+            </a:lvl4pPr>
+            <a:lvl5pPr marL="1543050" indent="-171450" algn="l" defTabSz="342900" rtl="0" eaLnBrk="1" latinLnBrk="0" hangingPunct="1">
+              <a:spcBef>
+                <a:spcPct val="20000"/>
+              </a:spcBef>
+              <a:buFont typeface="Arial"/>
+              <a:buChar char="»"/>
+              <a:defRPr sz="1500" kern="1200">
+                <a:solidFill>
+                  <a:schemeClr val="tx1"/>
+                </a:solidFill>
+                <a:latin typeface="+mn-lt"/>
+                <a:ea typeface="+mn-ea"/>
+                <a:cs typeface="+mn-cs"/>
+              </a:defRPr>
+            </a:lvl5pPr>
+            <a:lvl6pPr marL="1885950" indent="-171450" algn="l" defTabSz="342900" rtl="0" eaLnBrk="1" latinLnBrk="0" hangingPunct="1">
+              <a:spcBef>
+                <a:spcPct val="20000"/>
+              </a:spcBef>
+              <a:buFont typeface="Arial"/>
+              <a:buChar char="•"/>
+              <a:defRPr sz="1500" kern="1200">
+                <a:solidFill>
+                  <a:schemeClr val="tx1"/>
+                </a:solidFill>
+                <a:latin typeface="+mn-lt"/>
+                <a:ea typeface="+mn-ea"/>
+                <a:cs typeface="+mn-cs"/>
+              </a:defRPr>
+            </a:lvl6pPr>
+            <a:lvl7pPr marL="2228850" indent="-171450" algn="l" defTabSz="342900" rtl="0" eaLnBrk="1" latinLnBrk="0" hangingPunct="1">
+              <a:spcBef>
+                <a:spcPct val="20000"/>
+              </a:spcBef>
+              <a:buFont typeface="Arial"/>
+              <a:buChar char="•"/>
+              <a:defRPr sz="1500" kern="1200">
+                <a:solidFill>
+                  <a:schemeClr val="tx1"/>
+                </a:solidFill>
+                <a:latin typeface="+mn-lt"/>
+                <a:ea typeface="+mn-ea"/>
+                <a:cs typeface="+mn-cs"/>
+              </a:defRPr>
+            </a:lvl7pPr>
+            <a:lvl8pPr marL="2571750" indent="-171450" algn="l" defTabSz="342900" rtl="0" eaLnBrk="1" latinLnBrk="0" hangingPunct="1">
+              <a:spcBef>
+                <a:spcPct val="20000"/>
+              </a:spcBef>
+              <a:buFont typeface="Arial"/>
+              <a:buChar char="•"/>
+              <a:defRPr sz="1500" kern="1200">
+                <a:solidFill>
+                  <a:schemeClr val="tx1"/>
+                </a:solidFill>
+                <a:latin typeface="+mn-lt"/>
+                <a:ea typeface="+mn-ea"/>
+                <a:cs typeface="+mn-cs"/>
+              </a:defRPr>
+            </a:lvl8pPr>
+            <a:lvl9pPr marL="2914650" indent="-171450" algn="l" defTabSz="342900" rtl="0" eaLnBrk="1" latinLnBrk="0" hangingPunct="1">
+              <a:spcBef>
+                <a:spcPct val="20000"/>
+              </a:spcBef>
+              <a:buFont typeface="Arial"/>
+              <a:buChar char="•"/>
+              <a:defRPr sz="1500" kern="1200">
+                <a:solidFill>
+                  <a:schemeClr val="tx1"/>
+                </a:solidFill>
+                <a:latin typeface="+mn-lt"/>
+                <a:ea typeface="+mn-ea"/>
+                <a:cs typeface="+mn-cs"/>
+              </a:defRPr>
+            </a:lvl9pPr>
+          </a:lstStyle>
+          <a:p>
+            <a:pPr marL="173736" lvl="2" indent="-173736">
+              <a:lnSpc>
+                <a:spcPct val="110000"/>
+              </a:lnSpc>
+              <a:spcBef>
+                <a:spcPts val="0"/>
+              </a:spcBef>
+              <a:spcAft>
+                <a:spcPts val="1300"/>
+              </a:spcAft>
+              <a:buClr>
+                <a:srgbClr val="2FC2D9"/>
+              </a:buClr>
+              <a:defRPr/>
+            </a:pPr>
+            <a:r>
+              <a:rPr lang="en-US" sz="1600" dirty="0"/>
+              <a:t>Use YYYYMMDD format</a:t>
+            </a:r>
+          </a:p>
+          <a:p>
+            <a:pPr marL="0" lvl="2" indent="0">
+              <a:lnSpc>
+                <a:spcPct val="110000"/>
+              </a:lnSpc>
+              <a:spcBef>
+                <a:spcPts val="0"/>
+              </a:spcBef>
+              <a:spcAft>
+                <a:spcPts val="1300"/>
+              </a:spcAft>
+              <a:buClr>
+                <a:srgbClr val="2FC2D9"/>
+              </a:buClr>
+              <a:buNone/>
+              <a:defRPr/>
+            </a:pPr>
+            <a:r>
+              <a:rPr lang="en-US" sz="1600" dirty="0"/>
+              <a:t> </a:t>
+            </a:r>
+          </a:p>
+        </p:txBody>
+      </p:sp>
+      <p:sp>
+        <p:nvSpPr>
+          <p:cNvPr id="2" name="Rectangle 1"/>
+          <p:cNvSpPr/>
+          <p:nvPr/>
+        </p:nvSpPr>
+        <p:spPr>
+          <a:xfrm>
+            <a:off x="3763108" y="1626427"/>
+            <a:ext cx="4572000" cy="2031325"/>
+          </a:xfrm>
+          <a:prstGeom prst="rect">
+            <a:avLst/>
+          </a:prstGeom>
+        </p:spPr>
+        <p:txBody>
+          <a:bodyPr>
+            <a:spAutoFit/>
+          </a:bodyPr>
+          <a:lstStyle/>
+          <a:p>
+            <a:r>
+              <a:rPr lang="en-US" dirty="0">
+                <a:solidFill>
+                  <a:srgbClr val="0000FF"/>
+                </a:solidFill>
+                <a:latin typeface="Consolas" panose="020B0609020204030204" pitchFamily="49" charset="0"/>
+              </a:rPr>
+              <a:t>SELECT</a:t>
+            </a:r>
+            <a:r>
+              <a:rPr lang="en-US" dirty="0">
+                <a:solidFill>
+                  <a:prstClr val="black"/>
+                </a:solidFill>
+                <a:latin typeface="Consolas" panose="020B0609020204030204" pitchFamily="49" charset="0"/>
+              </a:rPr>
+              <a:t> </a:t>
+            </a:r>
+            <a:r>
+              <a:rPr lang="en-US" dirty="0" err="1">
+                <a:solidFill>
+                  <a:prstClr val="black"/>
+                </a:solidFill>
+                <a:latin typeface="Consolas" panose="020B0609020204030204" pitchFamily="49" charset="0"/>
+              </a:rPr>
+              <a:t>orderid</a:t>
+            </a:r>
+            <a:r>
+              <a:rPr lang="en-US" dirty="0">
+                <a:solidFill>
+                  <a:srgbClr val="808080"/>
+                </a:solidFill>
+                <a:latin typeface="Consolas" panose="020B0609020204030204" pitchFamily="49" charset="0"/>
+              </a:rPr>
+              <a:t>,</a:t>
+            </a:r>
+            <a:r>
+              <a:rPr lang="en-US" dirty="0">
+                <a:solidFill>
+                  <a:prstClr val="black"/>
+                </a:solidFill>
+                <a:latin typeface="Consolas" panose="020B0609020204030204" pitchFamily="49" charset="0"/>
+              </a:rPr>
+              <a:t> </a:t>
+            </a:r>
+            <a:r>
+              <a:rPr lang="en-US" dirty="0" err="1">
+                <a:solidFill>
+                  <a:prstClr val="black"/>
+                </a:solidFill>
+                <a:latin typeface="Consolas" panose="020B0609020204030204" pitchFamily="49" charset="0"/>
+              </a:rPr>
+              <a:t>orderdate</a:t>
+            </a:r>
+            <a:r>
+              <a:rPr lang="en-US" dirty="0">
+                <a:solidFill>
+                  <a:srgbClr val="808080"/>
+                </a:solidFill>
+                <a:latin typeface="Consolas" panose="020B0609020204030204" pitchFamily="49" charset="0"/>
+              </a:rPr>
+              <a:t>,</a:t>
+            </a:r>
+            <a:r>
+              <a:rPr lang="en-US" dirty="0">
+                <a:solidFill>
+                  <a:prstClr val="black"/>
+                </a:solidFill>
+                <a:latin typeface="Consolas" panose="020B0609020204030204" pitchFamily="49" charset="0"/>
+              </a:rPr>
+              <a:t> </a:t>
+            </a:r>
+            <a:r>
+              <a:rPr lang="en-US" dirty="0" err="1">
+                <a:solidFill>
+                  <a:prstClr val="black"/>
+                </a:solidFill>
+                <a:latin typeface="Consolas" panose="020B0609020204030204" pitchFamily="49" charset="0"/>
+              </a:rPr>
+              <a:t>empid</a:t>
+            </a:r>
+            <a:r>
+              <a:rPr lang="en-US" dirty="0">
+                <a:solidFill>
+                  <a:srgbClr val="808080"/>
+                </a:solidFill>
+                <a:latin typeface="Consolas" panose="020B0609020204030204" pitchFamily="49" charset="0"/>
+              </a:rPr>
+              <a:t>,</a:t>
+            </a:r>
+            <a:r>
+              <a:rPr lang="en-US" dirty="0">
+                <a:solidFill>
+                  <a:prstClr val="black"/>
+                </a:solidFill>
+                <a:latin typeface="Consolas" panose="020B0609020204030204" pitchFamily="49" charset="0"/>
+              </a:rPr>
+              <a:t> </a:t>
+            </a:r>
+            <a:r>
+              <a:rPr lang="en-US" dirty="0" err="1">
+                <a:solidFill>
+                  <a:prstClr val="black"/>
+                </a:solidFill>
+                <a:latin typeface="Consolas" panose="020B0609020204030204" pitchFamily="49" charset="0"/>
+              </a:rPr>
+              <a:t>custid</a:t>
+            </a:r>
+            <a:endParaRPr lang="en-US" dirty="0">
+              <a:solidFill>
+                <a:prstClr val="black"/>
+              </a:solidFill>
+              <a:latin typeface="Consolas" panose="020B0609020204030204" pitchFamily="49" charset="0"/>
+            </a:endParaRPr>
+          </a:p>
+          <a:p>
+            <a:r>
+              <a:rPr lang="en-US" dirty="0">
+                <a:solidFill>
+                  <a:srgbClr val="0000FF"/>
+                </a:solidFill>
+                <a:latin typeface="Consolas" panose="020B0609020204030204" pitchFamily="49" charset="0"/>
+              </a:rPr>
+              <a:t>FROM</a:t>
+            </a:r>
+            <a:r>
+              <a:rPr lang="en-US" dirty="0">
+                <a:solidFill>
+                  <a:prstClr val="black"/>
+                </a:solidFill>
+                <a:latin typeface="Consolas" panose="020B0609020204030204" pitchFamily="49" charset="0"/>
+              </a:rPr>
+              <a:t> </a:t>
+            </a:r>
+            <a:r>
+              <a:rPr lang="en-US" dirty="0" err="1">
+                <a:solidFill>
+                  <a:prstClr val="black"/>
+                </a:solidFill>
+                <a:latin typeface="Consolas" panose="020B0609020204030204" pitchFamily="49" charset="0"/>
+              </a:rPr>
+              <a:t>Sales</a:t>
+            </a:r>
+            <a:r>
+              <a:rPr lang="en-US" dirty="0" err="1">
+                <a:solidFill>
+                  <a:srgbClr val="808080"/>
+                </a:solidFill>
+                <a:latin typeface="Consolas" panose="020B0609020204030204" pitchFamily="49" charset="0"/>
+              </a:rPr>
+              <a:t>.</a:t>
+            </a:r>
+            <a:r>
+              <a:rPr lang="en-US" dirty="0" err="1">
+                <a:solidFill>
+                  <a:prstClr val="black"/>
+                </a:solidFill>
+                <a:latin typeface="Consolas" panose="020B0609020204030204" pitchFamily="49" charset="0"/>
+              </a:rPr>
+              <a:t>Orders</a:t>
+            </a:r>
+            <a:endParaRPr lang="en-US" dirty="0">
+              <a:solidFill>
+                <a:prstClr val="black"/>
+              </a:solidFill>
+              <a:latin typeface="Consolas" panose="020B0609020204030204" pitchFamily="49" charset="0"/>
+            </a:endParaRPr>
+          </a:p>
+          <a:p>
+            <a:r>
+              <a:rPr lang="en-US" dirty="0">
+                <a:solidFill>
+                  <a:srgbClr val="0000FF"/>
+                </a:solidFill>
+                <a:latin typeface="Consolas" panose="020B0609020204030204" pitchFamily="49" charset="0"/>
+              </a:rPr>
+              <a:t>WHERE</a:t>
+            </a:r>
+            <a:r>
+              <a:rPr lang="en-US" dirty="0">
+                <a:solidFill>
+                  <a:prstClr val="black"/>
+                </a:solidFill>
+                <a:latin typeface="Consolas" panose="020B0609020204030204" pitchFamily="49" charset="0"/>
+              </a:rPr>
+              <a:t> </a:t>
+            </a:r>
+            <a:r>
+              <a:rPr lang="en-US" dirty="0" err="1">
+                <a:solidFill>
+                  <a:prstClr val="black"/>
+                </a:solidFill>
+                <a:latin typeface="Consolas" panose="020B0609020204030204" pitchFamily="49" charset="0"/>
+              </a:rPr>
+              <a:t>orderdate</a:t>
+            </a:r>
+            <a:r>
+              <a:rPr lang="en-US" dirty="0">
+                <a:solidFill>
+                  <a:prstClr val="black"/>
+                </a:solidFill>
+                <a:latin typeface="Consolas" panose="020B0609020204030204" pitchFamily="49" charset="0"/>
+              </a:rPr>
+              <a:t> </a:t>
+            </a:r>
+            <a:r>
+              <a:rPr lang="en-US" dirty="0">
+                <a:solidFill>
+                  <a:srgbClr val="808080"/>
+                </a:solidFill>
+                <a:latin typeface="Consolas" panose="020B0609020204030204" pitchFamily="49" charset="0"/>
+              </a:rPr>
+              <a:t>=</a:t>
+            </a:r>
+            <a:r>
+              <a:rPr lang="en-US" dirty="0">
+                <a:solidFill>
+                  <a:prstClr val="black"/>
+                </a:solidFill>
+                <a:latin typeface="Consolas" panose="020B0609020204030204" pitchFamily="49" charset="0"/>
+              </a:rPr>
+              <a:t> </a:t>
+            </a:r>
+            <a:r>
+              <a:rPr lang="en-US" dirty="0">
+                <a:solidFill>
+                  <a:srgbClr val="FF0000"/>
+                </a:solidFill>
+                <a:latin typeface="Consolas" panose="020B0609020204030204" pitchFamily="49" charset="0"/>
+              </a:rPr>
+              <a:t>'02/12/07'</a:t>
+            </a:r>
+            <a:r>
+              <a:rPr lang="en-US" dirty="0">
+                <a:solidFill>
+                  <a:srgbClr val="808080"/>
+                </a:solidFill>
+                <a:latin typeface="Consolas" panose="020B0609020204030204" pitchFamily="49" charset="0"/>
+              </a:rPr>
+              <a:t>;</a:t>
+            </a:r>
+            <a:endParaRPr lang="en-US" dirty="0">
+              <a:solidFill>
+                <a:prstClr val="black"/>
+              </a:solidFill>
+              <a:latin typeface="Consolas" panose="020B0609020204030204" pitchFamily="49" charset="0"/>
+            </a:endParaRPr>
+          </a:p>
+          <a:p>
+            <a:endParaRPr lang="en-US" dirty="0">
+              <a:solidFill>
+                <a:prstClr val="black"/>
+              </a:solidFill>
+              <a:latin typeface="Consolas" panose="020B0609020204030204" pitchFamily="49" charset="0"/>
+            </a:endParaRPr>
+          </a:p>
+          <a:p>
+            <a:endParaRPr lang="en-US" dirty="0">
+              <a:solidFill>
+                <a:prstClr val="black"/>
+              </a:solidFill>
+              <a:latin typeface="Consolas" panose="020B0609020204030204" pitchFamily="49" charset="0"/>
+            </a:endParaRPr>
+          </a:p>
+          <a:p>
+            <a:endParaRPr lang="en-US" dirty="0">
+              <a:solidFill>
+                <a:prstClr val="black"/>
+              </a:solidFill>
+              <a:latin typeface="Consolas" panose="020B0609020204030204" pitchFamily="49" charset="0"/>
+            </a:endParaRPr>
+          </a:p>
+          <a:p>
+            <a:r>
+              <a:rPr lang="en-US" dirty="0">
+                <a:solidFill>
+                  <a:srgbClr val="0000FF"/>
+                </a:solidFill>
+                <a:latin typeface="Consolas" panose="020B0609020204030204" pitchFamily="49" charset="0"/>
+              </a:rPr>
+              <a:t>SELECT</a:t>
+            </a:r>
+            <a:r>
+              <a:rPr lang="en-US" dirty="0">
+                <a:solidFill>
+                  <a:prstClr val="black"/>
+                </a:solidFill>
+                <a:latin typeface="Consolas" panose="020B0609020204030204" pitchFamily="49" charset="0"/>
+              </a:rPr>
+              <a:t> </a:t>
+            </a:r>
+            <a:r>
+              <a:rPr lang="en-US" dirty="0" err="1">
+                <a:solidFill>
+                  <a:prstClr val="black"/>
+                </a:solidFill>
+                <a:latin typeface="Consolas" panose="020B0609020204030204" pitchFamily="49" charset="0"/>
+              </a:rPr>
+              <a:t>orderid</a:t>
+            </a:r>
+            <a:r>
+              <a:rPr lang="en-US" dirty="0">
+                <a:solidFill>
+                  <a:srgbClr val="808080"/>
+                </a:solidFill>
+                <a:latin typeface="Consolas" panose="020B0609020204030204" pitchFamily="49" charset="0"/>
+              </a:rPr>
+              <a:t>,</a:t>
+            </a:r>
+            <a:r>
+              <a:rPr lang="en-US" dirty="0">
+                <a:solidFill>
+                  <a:prstClr val="black"/>
+                </a:solidFill>
+                <a:latin typeface="Consolas" panose="020B0609020204030204" pitchFamily="49" charset="0"/>
+              </a:rPr>
+              <a:t> </a:t>
+            </a:r>
+            <a:r>
+              <a:rPr lang="en-US" dirty="0" err="1">
+                <a:solidFill>
+                  <a:prstClr val="black"/>
+                </a:solidFill>
+                <a:latin typeface="Consolas" panose="020B0609020204030204" pitchFamily="49" charset="0"/>
+              </a:rPr>
+              <a:t>orderdate</a:t>
+            </a:r>
+            <a:r>
+              <a:rPr lang="en-US" dirty="0">
+                <a:solidFill>
+                  <a:srgbClr val="808080"/>
+                </a:solidFill>
+                <a:latin typeface="Consolas" panose="020B0609020204030204" pitchFamily="49" charset="0"/>
+              </a:rPr>
+              <a:t>,</a:t>
+            </a:r>
+            <a:r>
+              <a:rPr lang="en-US" dirty="0">
+                <a:solidFill>
+                  <a:prstClr val="black"/>
+                </a:solidFill>
+                <a:latin typeface="Consolas" panose="020B0609020204030204" pitchFamily="49" charset="0"/>
+              </a:rPr>
+              <a:t> </a:t>
+            </a:r>
+            <a:r>
+              <a:rPr lang="en-US" dirty="0" err="1">
+                <a:solidFill>
+                  <a:prstClr val="black"/>
+                </a:solidFill>
+                <a:latin typeface="Consolas" panose="020B0609020204030204" pitchFamily="49" charset="0"/>
+              </a:rPr>
+              <a:t>empid</a:t>
+            </a:r>
+            <a:r>
+              <a:rPr lang="en-US" dirty="0">
+                <a:solidFill>
+                  <a:srgbClr val="808080"/>
+                </a:solidFill>
+                <a:latin typeface="Consolas" panose="020B0609020204030204" pitchFamily="49" charset="0"/>
+              </a:rPr>
+              <a:t>,</a:t>
+            </a:r>
+            <a:r>
+              <a:rPr lang="en-US" dirty="0">
+                <a:solidFill>
+                  <a:prstClr val="black"/>
+                </a:solidFill>
+                <a:latin typeface="Consolas" panose="020B0609020204030204" pitchFamily="49" charset="0"/>
+              </a:rPr>
+              <a:t> </a:t>
+            </a:r>
+            <a:r>
+              <a:rPr lang="en-US" dirty="0" err="1">
+                <a:solidFill>
+                  <a:prstClr val="black"/>
+                </a:solidFill>
+                <a:latin typeface="Consolas" panose="020B0609020204030204" pitchFamily="49" charset="0"/>
+              </a:rPr>
+              <a:t>custid</a:t>
+            </a:r>
+            <a:endParaRPr lang="en-US" dirty="0">
+              <a:solidFill>
+                <a:prstClr val="black"/>
+              </a:solidFill>
+              <a:latin typeface="Consolas" panose="020B0609020204030204" pitchFamily="49" charset="0"/>
+            </a:endParaRPr>
+          </a:p>
+          <a:p>
+            <a:r>
+              <a:rPr lang="en-US" dirty="0">
+                <a:solidFill>
+                  <a:srgbClr val="0000FF"/>
+                </a:solidFill>
+                <a:latin typeface="Consolas" panose="020B0609020204030204" pitchFamily="49" charset="0"/>
+              </a:rPr>
+              <a:t>FROM</a:t>
+            </a:r>
+            <a:r>
+              <a:rPr lang="en-US" dirty="0">
+                <a:solidFill>
+                  <a:prstClr val="black"/>
+                </a:solidFill>
+                <a:latin typeface="Consolas" panose="020B0609020204030204" pitchFamily="49" charset="0"/>
+              </a:rPr>
+              <a:t> </a:t>
+            </a:r>
+            <a:r>
+              <a:rPr lang="en-US" dirty="0" err="1">
+                <a:solidFill>
+                  <a:prstClr val="black"/>
+                </a:solidFill>
+                <a:latin typeface="Consolas" panose="020B0609020204030204" pitchFamily="49" charset="0"/>
+              </a:rPr>
+              <a:t>Sales</a:t>
+            </a:r>
+            <a:r>
+              <a:rPr lang="en-US" dirty="0" err="1">
+                <a:solidFill>
+                  <a:srgbClr val="808080"/>
+                </a:solidFill>
+                <a:latin typeface="Consolas" panose="020B0609020204030204" pitchFamily="49" charset="0"/>
+              </a:rPr>
+              <a:t>.</a:t>
+            </a:r>
+            <a:r>
+              <a:rPr lang="en-US" dirty="0" err="1">
+                <a:solidFill>
+                  <a:prstClr val="black"/>
+                </a:solidFill>
+                <a:latin typeface="Consolas" panose="020B0609020204030204" pitchFamily="49" charset="0"/>
+              </a:rPr>
+              <a:t>Orders</a:t>
+            </a:r>
+            <a:endParaRPr lang="en-US" dirty="0">
+              <a:solidFill>
+                <a:prstClr val="black"/>
+              </a:solidFill>
+              <a:latin typeface="Consolas" panose="020B0609020204030204" pitchFamily="49" charset="0"/>
+            </a:endParaRPr>
+          </a:p>
+          <a:p>
+            <a:r>
+              <a:rPr lang="en-US" dirty="0">
+                <a:solidFill>
+                  <a:srgbClr val="0000FF"/>
+                </a:solidFill>
+                <a:latin typeface="Consolas" panose="020B0609020204030204" pitchFamily="49" charset="0"/>
+              </a:rPr>
+              <a:t>WHERE</a:t>
+            </a:r>
+            <a:r>
+              <a:rPr lang="en-US" dirty="0">
+                <a:solidFill>
+                  <a:prstClr val="black"/>
+                </a:solidFill>
+                <a:latin typeface="Consolas" panose="020B0609020204030204" pitchFamily="49" charset="0"/>
+              </a:rPr>
+              <a:t> </a:t>
+            </a:r>
+            <a:r>
+              <a:rPr lang="en-US" dirty="0" err="1">
+                <a:solidFill>
+                  <a:prstClr val="black"/>
+                </a:solidFill>
+                <a:latin typeface="Consolas" panose="020B0609020204030204" pitchFamily="49" charset="0"/>
+              </a:rPr>
+              <a:t>orderdate</a:t>
+            </a:r>
+            <a:r>
+              <a:rPr lang="en-US" dirty="0">
+                <a:solidFill>
+                  <a:prstClr val="black"/>
+                </a:solidFill>
+                <a:latin typeface="Consolas" panose="020B0609020204030204" pitchFamily="49" charset="0"/>
+              </a:rPr>
+              <a:t> </a:t>
+            </a:r>
+            <a:r>
+              <a:rPr lang="en-US" dirty="0">
+                <a:solidFill>
+                  <a:srgbClr val="808080"/>
+                </a:solidFill>
+                <a:latin typeface="Consolas" panose="020B0609020204030204" pitchFamily="49" charset="0"/>
+              </a:rPr>
+              <a:t>=</a:t>
+            </a:r>
+            <a:r>
+              <a:rPr lang="en-US" dirty="0">
+                <a:solidFill>
+                  <a:prstClr val="black"/>
+                </a:solidFill>
+                <a:latin typeface="Consolas" panose="020B0609020204030204" pitchFamily="49" charset="0"/>
+              </a:rPr>
+              <a:t> </a:t>
+            </a:r>
+            <a:r>
+              <a:rPr lang="en-US" dirty="0">
+                <a:solidFill>
+                  <a:srgbClr val="FF0000"/>
+                </a:solidFill>
+                <a:latin typeface="Consolas" panose="020B0609020204030204" pitchFamily="49" charset="0"/>
+              </a:rPr>
+              <a:t>'20070212'</a:t>
+            </a:r>
+            <a:r>
+              <a:rPr lang="en-US" dirty="0">
+                <a:solidFill>
+                  <a:srgbClr val="808080"/>
+                </a:solidFill>
+                <a:latin typeface="Consolas" panose="020B0609020204030204" pitchFamily="49" charset="0"/>
+              </a:rPr>
+              <a:t>;</a:t>
+            </a:r>
+          </a:p>
+        </p:txBody>
+      </p:sp>
+      <p:sp>
+        <p:nvSpPr>
+          <p:cNvPr id="5" name="Title 4">
+            <a:extLst>
+              <a:ext uri="{FF2B5EF4-FFF2-40B4-BE49-F238E27FC236}">
+                <a16:creationId xmlns:a16="http://schemas.microsoft.com/office/drawing/2014/main" id="{9A477F32-F8B6-4A49-9230-8502E241C4A9}"/>
+              </a:ext>
+            </a:extLst>
+          </p:cNvPr>
+          <p:cNvSpPr>
+            <a:spLocks noGrp="1"/>
+          </p:cNvSpPr>
+          <p:nvPr>
+            <p:ph type="title"/>
+          </p:nvPr>
+        </p:nvSpPr>
+        <p:spPr/>
+        <p:txBody>
+          <a:bodyPr/>
+          <a:lstStyle/>
+          <a:p>
+            <a:r>
+              <a:rPr lang="en-US" dirty="0"/>
+              <a:t>Filtering and Sorting Data</a:t>
+            </a:r>
+          </a:p>
+        </p:txBody>
+      </p:sp>
+      <p:sp>
+        <p:nvSpPr>
+          <p:cNvPr id="7" name="Text Placeholder 6">
+            <a:extLst>
+              <a:ext uri="{FF2B5EF4-FFF2-40B4-BE49-F238E27FC236}">
+                <a16:creationId xmlns:a16="http://schemas.microsoft.com/office/drawing/2014/main" id="{FAEB8351-D6BE-4E27-8EBA-94BF32197DDD}"/>
+              </a:ext>
+            </a:extLst>
+          </p:cNvPr>
+          <p:cNvSpPr>
+            <a:spLocks noGrp="1"/>
+          </p:cNvSpPr>
+          <p:nvPr>
+            <p:ph type="body" sz="quarter" idx="11"/>
+          </p:nvPr>
+        </p:nvSpPr>
+        <p:spPr/>
+        <p:txBody>
+          <a:bodyPr/>
+          <a:lstStyle/>
+          <a:p>
+            <a:r>
+              <a:rPr lang="en-US" dirty="0"/>
+              <a:t>Filtering Date and Time Data</a:t>
+            </a:r>
+            <a:endParaRPr lang="en-US" b="1" dirty="0"/>
+          </a:p>
+          <a:p>
+            <a:endParaRPr lang="en-US" dirty="0"/>
+          </a:p>
+        </p:txBody>
+      </p:sp>
+      <p:sp>
+        <p:nvSpPr>
+          <p:cNvPr id="8" name="Slide Number Placeholder 7">
+            <a:extLst>
+              <a:ext uri="{FF2B5EF4-FFF2-40B4-BE49-F238E27FC236}">
+                <a16:creationId xmlns:a16="http://schemas.microsoft.com/office/drawing/2014/main" id="{AF2F4289-9E8A-4174-8A8A-DFF873DC27B7}"/>
+              </a:ext>
+            </a:extLst>
+          </p:cNvPr>
+          <p:cNvSpPr>
+            <a:spLocks noGrp="1"/>
+          </p:cNvSpPr>
+          <p:nvPr>
+            <p:ph type="sldNum" sz="quarter" idx="4"/>
+          </p:nvPr>
+        </p:nvSpPr>
+        <p:spPr/>
+        <p:txBody>
+          <a:bodyPr/>
+          <a:lstStyle/>
+          <a:p>
+            <a:fld id="{3A707DD9-E92B-45E8-BE0A-E6B2EDF345EB}" type="slidenum">
+              <a:rPr lang="en-US" smtClean="0"/>
+              <a:pPr/>
+              <a:t>9</a:t>
+            </a:fld>
+            <a:endParaRPr lang="en-US" dirty="0"/>
+          </a:p>
+        </p:txBody>
+      </p:sp>
+    </p:spTree>
+    <p:extLst>
+      <p:ext uri="{BB962C8B-B14F-4D97-AF65-F5344CB8AC3E}">
+        <p14:creationId xmlns:p14="http://schemas.microsoft.com/office/powerpoint/2010/main" val="3102299352"/>
       </p:ext>
     </p:extLst>
   </p:cSld>
@@ -34521,6 +33950,15 @@
 </file>
 
 <file path=customXml/item1.xml><?xml version="1.0" encoding="utf-8"?>
+<?mso-contentType ?>
+<FormTemplates xmlns="http://schemas.microsoft.com/sharepoint/v3/contenttype/forms">
+  <Display>DocumentLibraryForm</Display>
+  <Edit>DocumentLibraryForm</Edit>
+  <New>DocumentLibraryForm</New>
+</FormTemplates>
+</file>
+
+<file path=customXml/item2.xml><?xml version="1.0" encoding="utf-8"?>
 <p:properties xmlns:p="http://schemas.microsoft.com/office/2006/metadata/properties" xmlns:xsi="http://www.w3.org/2001/XMLSchema-instance" xmlns:pc="http://schemas.microsoft.com/office/infopath/2007/PartnerControls">
   <documentManagement>
     <SharedWithUsers xmlns="c8fb4810-c3cf-44db-bdf0-77d94482a97a">
@@ -34637,15 +34075,6 @@
     </SharedWithUsers>
   </documentManagement>
 </p:properties>
-</file>
-
-<file path=customXml/item2.xml><?xml version="1.0" encoding="utf-8"?>
-<?mso-contentType ?>
-<FormTemplates xmlns="http://schemas.microsoft.com/sharepoint/v3/contenttype/forms">
-  <Display>DocumentLibraryForm</Display>
-  <Edit>DocumentLibraryForm</Edit>
-  <New>DocumentLibraryForm</New>
-</FormTemplates>
 </file>
 
 <file path=customXml/item3.xml><?xml version="1.0" encoding="utf-8"?>
@@ -34814,6 +34243,14 @@
 </file>
 
 <file path=customXml/itemProps1.xml><?xml version="1.0" encoding="utf-8"?>
+<ds:datastoreItem xmlns:ds="http://schemas.openxmlformats.org/officeDocument/2006/customXml" ds:itemID="{14883F0F-DE57-4ECA-B9BB-F22E8C5B5D82}">
+  <ds:schemaRefs>
+    <ds:schemaRef ds:uri="http://schemas.microsoft.com/sharepoint/v3/contenttype/forms"/>
+  </ds:schemaRefs>
+</ds:datastoreItem>
+</file>
+
+<file path=customXml/itemProps2.xml><?xml version="1.0" encoding="utf-8"?>
 <ds:datastoreItem xmlns:ds="http://schemas.openxmlformats.org/officeDocument/2006/customXml" ds:itemID="{D5E3C081-4081-47AD-A9A6-9F18F525DA1D}">
   <ds:schemaRefs>
     <ds:schemaRef ds:uri="http://purl.org/dc/dcmitype/"/>
@@ -34826,14 +34263,6 @@
     <ds:schemaRef ds:uri="http://purl.org/dc/elements/1.1/"/>
     <ds:schemaRef ds:uri="c8fb4810-c3cf-44db-bdf0-77d94482a97a"/>
     <ds:schemaRef ds:uri="609121fb-01d0-49fe-b3fd-9a3e3a0646a9"/>
-  </ds:schemaRefs>
-</ds:datastoreItem>
-</file>
-
-<file path=customXml/itemProps2.xml><?xml version="1.0" encoding="utf-8"?>
-<ds:datastoreItem xmlns:ds="http://schemas.openxmlformats.org/officeDocument/2006/customXml" ds:itemID="{14883F0F-DE57-4ECA-B9BB-F22E8C5B5D82}">
-  <ds:schemaRefs>
-    <ds:schemaRef ds:uri="http://schemas.microsoft.com/sharepoint/v3/contenttype/forms"/>
   </ds:schemaRefs>
 </ds:datastoreItem>
 </file>
